--- a/presentation.pptx
+++ b/presentation.pptx
@@ -5,7 +5,7 @@
     <p:sldMasterId id="2147483660" r:id="rId1"/>
   </p:sldMasterIdLst>
   <p:notesMasterIdLst>
-    <p:notesMasterId r:id="rId22"/>
+    <p:notesMasterId r:id="rId24"/>
   </p:notesMasterIdLst>
   <p:sldIdLst>
     <p:sldId id="256" r:id="rId2"/>
@@ -19,15 +19,17 @@
     <p:sldId id="263" r:id="rId10"/>
     <p:sldId id="265" r:id="rId11"/>
     <p:sldId id="262" r:id="rId12"/>
-    <p:sldId id="266" r:id="rId13"/>
-    <p:sldId id="273" r:id="rId14"/>
-    <p:sldId id="274" r:id="rId15"/>
-    <p:sldId id="259" r:id="rId16"/>
-    <p:sldId id="267" r:id="rId17"/>
-    <p:sldId id="261" r:id="rId18"/>
-    <p:sldId id="268" r:id="rId19"/>
-    <p:sldId id="260" r:id="rId20"/>
-    <p:sldId id="269" r:id="rId21"/>
+    <p:sldId id="277" r:id="rId13"/>
+    <p:sldId id="279" r:id="rId14"/>
+    <p:sldId id="280" r:id="rId15"/>
+    <p:sldId id="281" r:id="rId16"/>
+    <p:sldId id="282" r:id="rId17"/>
+    <p:sldId id="259" r:id="rId18"/>
+    <p:sldId id="267" r:id="rId19"/>
+    <p:sldId id="261" r:id="rId20"/>
+    <p:sldId id="268" r:id="rId21"/>
+    <p:sldId id="260" r:id="rId22"/>
+    <p:sldId id="269" r:id="rId23"/>
   </p:sldIdLst>
   <p:sldSz cx="12192000" cy="6858000"/>
   <p:notesSz cx="6858000" cy="9144000"/>
@@ -32824,7 +32826,7 @@
           <a:p>
             <a:fld id="{F94D13C8-B623-814D-A199-95C4B5027218}" type="datetimeFigureOut">
               <a:rPr lang="en-US" smtClean="0"/>
-              <a:t>5/9/19</a:t>
+              <a:t>5/12/19</a:t>
             </a:fld>
             <a:endParaRPr lang="en-US"/>
           </a:p>
@@ -33338,7 +33340,7 @@
           <a:p>
             <a:fld id="{74A5D10C-7687-DD40-91F8-DB71187E4387}" type="datetime1">
               <a:rPr lang="en-US" smtClean="0"/>
-              <a:t>5/9/19</a:t>
+              <a:t>5/12/19</a:t>
             </a:fld>
             <a:endParaRPr lang="en-US"/>
           </a:p>
@@ -33508,7 +33510,7 @@
           <a:p>
             <a:fld id="{81B7035B-85D3-0844-A9BB-12DBDE6253B8}" type="datetime1">
               <a:rPr lang="en-US" smtClean="0"/>
-              <a:t>5/9/19</a:t>
+              <a:t>5/12/19</a:t>
             </a:fld>
             <a:endParaRPr lang="en-US"/>
           </a:p>
@@ -33688,7 +33690,7 @@
           <a:p>
             <a:fld id="{280BDE34-F2D5-1641-8B37-5384333C870E}" type="datetime1">
               <a:rPr lang="en-US" smtClean="0"/>
-              <a:t>5/9/19</a:t>
+              <a:t>5/12/19</a:t>
             </a:fld>
             <a:endParaRPr lang="en-US"/>
           </a:p>
@@ -33858,7 +33860,7 @@
           <a:p>
             <a:fld id="{37DA2AEB-5175-AF42-9DC8-CC202C667534}" type="datetime1">
               <a:rPr lang="en-US" smtClean="0"/>
-              <a:t>5/9/19</a:t>
+              <a:t>5/12/19</a:t>
             </a:fld>
             <a:endParaRPr lang="en-US"/>
           </a:p>
@@ -34126,7 +34128,7 @@
           <a:p>
             <a:fld id="{F003EA3B-6726-A141-A5CC-DFFCFDE0C5CD}" type="datetime1">
               <a:rPr lang="en-US" smtClean="0"/>
-              <a:t>5/9/19</a:t>
+              <a:t>5/12/19</a:t>
             </a:fld>
             <a:endParaRPr lang="en-US"/>
           </a:p>
@@ -34358,7 +34360,7 @@
           <a:p>
             <a:fld id="{BD344E6F-0E4A-9244-B061-4560984793F7}" type="datetime1">
               <a:rPr lang="en-US" smtClean="0"/>
-              <a:t>5/9/19</a:t>
+              <a:t>5/12/19</a:t>
             </a:fld>
             <a:endParaRPr lang="en-US"/>
           </a:p>
@@ -34717,7 +34719,7 @@
           <a:p>
             <a:fld id="{67A06849-089B-0441-BDEF-01A6204BBAB5}" type="datetime1">
               <a:rPr lang="en-US" smtClean="0"/>
-              <a:t>5/9/19</a:t>
+              <a:t>5/12/19</a:t>
             </a:fld>
             <a:endParaRPr lang="en-US"/>
           </a:p>
@@ -34858,7 +34860,7 @@
           <a:p>
             <a:fld id="{0801B244-3271-B944-9BE0-F73A80097550}" type="datetime1">
               <a:rPr lang="en-US" smtClean="0"/>
-              <a:t>5/9/19</a:t>
+              <a:t>5/12/19</a:t>
             </a:fld>
             <a:endParaRPr lang="en-US"/>
           </a:p>
@@ -34953,7 +34955,7 @@
           <a:p>
             <a:fld id="{B90AC160-CC92-B44B-9F34-3AF268EC0195}" type="datetime1">
               <a:rPr lang="en-US" smtClean="0"/>
-              <a:t>5/9/19</a:t>
+              <a:t>5/12/19</a:t>
             </a:fld>
             <a:endParaRPr lang="en-US"/>
           </a:p>
@@ -35310,7 +35312,7 @@
           <a:p>
             <a:fld id="{3ED8DD5C-A9F5-0846-A162-B493C30BEF94}" type="datetime1">
               <a:rPr lang="en-US" smtClean="0"/>
-              <a:t>5/9/19</a:t>
+              <a:t>5/12/19</a:t>
             </a:fld>
             <a:endParaRPr lang="en-US"/>
           </a:p>
@@ -35667,7 +35669,7 @@
           <a:p>
             <a:fld id="{4BD60D0B-D100-5A40-9ECC-EFE26B634D92}" type="datetime1">
               <a:rPr lang="en-US" smtClean="0"/>
-              <a:t>5/9/19</a:t>
+              <a:t>5/12/19</a:t>
             </a:fld>
             <a:endParaRPr lang="en-US"/>
           </a:p>
@@ -35909,7 +35911,7 @@
           <a:p>
             <a:fld id="{47A4C65E-4386-C440-8B61-04818875B30E}" type="datetime1">
               <a:rPr lang="en-US" smtClean="0"/>
-              <a:t>5/9/19</a:t>
+              <a:t>5/12/19</a:t>
             </a:fld>
             <a:endParaRPr lang="en-US"/>
           </a:p>
@@ -36922,7 +36924,7 @@
           <p:cNvPr id="2" name="Title 1">
             <a:extLst>
               <a:ext uri="{FF2B5EF4-FFF2-40B4-BE49-F238E27FC236}">
-                <a16:creationId xmlns:a16="http://schemas.microsoft.com/office/drawing/2014/main" id="{F060646C-C5B2-7A4B-8B42-6A733894B7BE}"/>
+                <a16:creationId xmlns:a16="http://schemas.microsoft.com/office/drawing/2014/main" id="{F1B72494-FF80-B247-BADA-9A1CD63DF0F3}"/>
               </a:ext>
             </a:extLst>
           </p:cNvPr>
@@ -36933,14 +36935,19 @@
             <p:ph type="title"/>
           </p:nvPr>
         </p:nvSpPr>
-        <p:spPr/>
+        <p:spPr>
+          <a:xfrm>
+            <a:off x="3612776" y="964692"/>
+            <a:ext cx="6348088" cy="1188720"/>
+          </a:xfrm>
+        </p:spPr>
         <p:txBody>
           <a:bodyPr/>
           <a:lstStyle/>
           <a:p>
             <a:r>
               <a:rPr lang="en-US" dirty="0"/>
-              <a:t>Image manipulation</a:t>
+              <a:t>Image Manipulation</a:t>
             </a:r>
           </a:p>
         </p:txBody>
@@ -36950,7 +36957,7 @@
           <p:cNvPr id="3" name="Content Placeholder 2">
             <a:extLst>
               <a:ext uri="{FF2B5EF4-FFF2-40B4-BE49-F238E27FC236}">
-                <a16:creationId xmlns:a16="http://schemas.microsoft.com/office/drawing/2014/main" id="{F668EECD-9B91-CD45-A2A3-AB881AC0EF30}"/>
+                <a16:creationId xmlns:a16="http://schemas.microsoft.com/office/drawing/2014/main" id="{41F1F404-6C80-9346-B8D7-EC7CDF8319BB}"/>
               </a:ext>
             </a:extLst>
           </p:cNvPr>
@@ -36963,10 +36970,38 @@
         </p:nvSpPr>
         <p:spPr/>
         <p:txBody>
-          <a:bodyPr/>
+          <a:bodyPr anchor="ctr"/>
           <a:lstStyle/>
           <a:p>
-            <a:endParaRPr lang="en-US"/>
+            <a:r>
+              <a:rPr lang="en-US" sz="2400" dirty="0"/>
+              <a:t>Re-scale and grey scale</a:t>
+            </a:r>
+          </a:p>
+          <a:p>
+            <a:r>
+              <a:rPr lang="en-US" sz="2400" dirty="0"/>
+              <a:t>Noise reduction</a:t>
+            </a:r>
+          </a:p>
+          <a:p>
+            <a:r>
+              <a:rPr lang="en-US" sz="2400" dirty="0"/>
+              <a:t>Edge detection</a:t>
+            </a:r>
+          </a:p>
+          <a:p>
+            <a:r>
+              <a:rPr lang="en-US" sz="2400" dirty="0"/>
+              <a:t>Clear edges</a:t>
+            </a:r>
+          </a:p>
+          <a:p>
+            <a:r>
+              <a:rPr lang="en-US" sz="2400" dirty="0"/>
+              <a:t>Fill regions</a:t>
+            </a:r>
+            <a:endParaRPr lang="en-US" dirty="0"/>
           </a:p>
         </p:txBody>
       </p:sp>
@@ -36975,7 +37010,7 @@
           <p:cNvPr id="4" name="Slide Number Placeholder 3">
             <a:extLst>
               <a:ext uri="{FF2B5EF4-FFF2-40B4-BE49-F238E27FC236}">
-                <a16:creationId xmlns:a16="http://schemas.microsoft.com/office/drawing/2014/main" id="{C0EA8E72-C77D-8A4D-AFD7-2213DFD763F6}"/>
+                <a16:creationId xmlns:a16="http://schemas.microsoft.com/office/drawing/2014/main" id="{364E4BF9-5FAA-4540-A417-221878D0F0D6}"/>
               </a:ext>
             </a:extLst>
           </p:cNvPr>
@@ -36999,10 +37034,124 @@
           </a:p>
         </p:txBody>
       </p:sp>
+      <p:sp>
+        <p:nvSpPr>
+          <p:cNvPr id="5" name="Oval 4">
+            <a:extLst>
+              <a:ext uri="{FF2B5EF4-FFF2-40B4-BE49-F238E27FC236}">
+                <a16:creationId xmlns:a16="http://schemas.microsoft.com/office/drawing/2014/main" id="{238EF480-FA75-E445-AFF6-28735741B11A}"/>
+              </a:ext>
+            </a:extLst>
+          </p:cNvPr>
+          <p:cNvSpPr/>
+          <p:nvPr/>
+        </p:nvSpPr>
+        <p:spPr>
+          <a:xfrm>
+            <a:off x="1775266" y="965412"/>
+            <a:ext cx="1188000" cy="1188000"/>
+          </a:xfrm>
+          <a:prstGeom prst="ellipse">
+            <a:avLst/>
+          </a:prstGeom>
+        </p:spPr>
+        <p:style>
+          <a:lnRef idx="0">
+            <a:schemeClr val="lt1">
+              <a:alpha val="0"/>
+              <a:hueOff val="0"/>
+              <a:satOff val="0"/>
+              <a:lumOff val="0"/>
+              <a:alphaOff val="0"/>
+            </a:schemeClr>
+          </a:lnRef>
+          <a:fillRef idx="1">
+            <a:schemeClr val="accent2">
+              <a:hueOff val="0"/>
+              <a:satOff val="0"/>
+              <a:lumOff val="0"/>
+              <a:alphaOff val="0"/>
+            </a:schemeClr>
+          </a:fillRef>
+          <a:effectRef idx="0">
+            <a:schemeClr val="accent2">
+              <a:hueOff val="0"/>
+              <a:satOff val="0"/>
+              <a:lumOff val="0"/>
+              <a:alphaOff val="0"/>
+            </a:schemeClr>
+          </a:effectRef>
+          <a:fontRef idx="minor"/>
+        </p:style>
+      </p:sp>
+      <p:sp>
+        <p:nvSpPr>
+          <p:cNvPr id="6" name="Rectangle 5" descr="Image">
+            <a:extLst>
+              <a:ext uri="{FF2B5EF4-FFF2-40B4-BE49-F238E27FC236}">
+                <a16:creationId xmlns:a16="http://schemas.microsoft.com/office/drawing/2014/main" id="{45D69137-C1EB-864B-A0AA-2B29556CE0B7}"/>
+              </a:ext>
+            </a:extLst>
+          </p:cNvPr>
+          <p:cNvSpPr/>
+          <p:nvPr/>
+        </p:nvSpPr>
+        <p:spPr>
+          <a:xfrm>
+            <a:off x="2009266" y="1199052"/>
+            <a:ext cx="720000" cy="720000"/>
+          </a:xfrm>
+          <a:prstGeom prst="rect">
+            <a:avLst/>
+          </a:prstGeom>
+          <a:blipFill>
+            <a:blip r:embed="rId2">
+              <a:extLst>
+                <a:ext uri="{28A0092B-C50C-407E-A947-70E740481C1C}">
+                  <a14:useLocalDpi xmlns:a14="http://schemas.microsoft.com/office/drawing/2010/main" val="0"/>
+                </a:ext>
+                <a:ext uri="{96DAC541-7B7A-43D3-8B79-37D633B846F1}">
+                  <asvg:svgBlip xmlns:asvg="http://schemas.microsoft.com/office/drawing/2016/SVG/main" r:embed="rId3"/>
+                </a:ext>
+              </a:extLst>
+            </a:blip>
+            <a:stretch>
+              <a:fillRect/>
+            </a:stretch>
+          </a:blipFill>
+          <a:ln>
+            <a:noFill/>
+          </a:ln>
+        </p:spPr>
+        <p:style>
+          <a:lnRef idx="2">
+            <a:scrgbClr r="0" g="0" b="0"/>
+          </a:lnRef>
+          <a:fillRef idx="1">
+            <a:scrgbClr r="0" g="0" b="0"/>
+          </a:fillRef>
+          <a:effectRef idx="0">
+            <a:schemeClr val="bg1">
+              <a:hueOff val="0"/>
+              <a:satOff val="0"/>
+              <a:lumOff val="0"/>
+              <a:alphaOff val="0"/>
+            </a:schemeClr>
+          </a:effectRef>
+          <a:fontRef idx="minor">
+            <a:schemeClr val="dk1">
+              <a:hueOff val="0"/>
+              <a:satOff val="0"/>
+              <a:lumOff val="0"/>
+              <a:alphaOff val="0"/>
+            </a:schemeClr>
+          </a:fontRef>
+        </p:style>
+      </p:sp>
     </p:spTree>
     <p:extLst>
       <p:ext uri="{BB962C8B-B14F-4D97-AF65-F5344CB8AC3E}">
-        <p14:creationId xmlns:p14="http://schemas.microsoft.com/office/powerpoint/2010/main" val="1148600906"/>
+        <p14:creationId xmlns:p14="http://schemas.microsoft.com/office/powerpoint/2010/main" val="2479129597"/>
       </p:ext>
     </p:extLst>
   </p:cSld>
@@ -37034,7 +37183,7 @@
           <p:cNvPr id="2" name="Title 1">
             <a:extLst>
               <a:ext uri="{FF2B5EF4-FFF2-40B4-BE49-F238E27FC236}">
-                <a16:creationId xmlns:a16="http://schemas.microsoft.com/office/drawing/2014/main" id="{680CA9AE-330F-6348-AD7F-68060A4A7AD5}"/>
+                <a16:creationId xmlns:a16="http://schemas.microsoft.com/office/drawing/2014/main" id="{F1B72494-FF80-B247-BADA-9A1CD63DF0F3}"/>
               </a:ext>
             </a:extLst>
           </p:cNvPr>
@@ -37045,49 +37194,86 @@
             <p:ph type="title"/>
           </p:nvPr>
         </p:nvSpPr>
-        <p:spPr/>
+        <p:spPr>
+          <a:xfrm>
+            <a:off x="3612776" y="964692"/>
+            <a:ext cx="6348088" cy="1188720"/>
+          </a:xfrm>
+        </p:spPr>
         <p:txBody>
           <a:bodyPr/>
           <a:lstStyle/>
           <a:p>
             <a:r>
               <a:rPr lang="en-US" dirty="0"/>
-              <a:t>The Search</a:t>
+              <a:t>Image Manipulation</a:t>
             </a:r>
           </a:p>
         </p:txBody>
       </p:sp>
-      <p:sp>
-        <p:nvSpPr>
-          <p:cNvPr id="3" name="Content Placeholder 2">
+      <p:pic>
+        <p:nvPicPr>
+          <p:cNvPr id="9" name="Content Placeholder 8" descr="A person driving a car&#10;&#10;Description automatically generated">
             <a:extLst>
               <a:ext uri="{FF2B5EF4-FFF2-40B4-BE49-F238E27FC236}">
-                <a16:creationId xmlns:a16="http://schemas.microsoft.com/office/drawing/2014/main" id="{BC184206-EE4D-2D4D-BCB7-DFBE400CA195}"/>
+                <a16:creationId xmlns:a16="http://schemas.microsoft.com/office/drawing/2014/main" id="{50D9B39B-B2A9-E945-BF30-4A003F84B34A}"/>
               </a:ext>
             </a:extLst>
           </p:cNvPr>
-          <p:cNvSpPr>
-            <a:spLocks noGrp="1"/>
-          </p:cNvSpPr>
+          <p:cNvPicPr>
+            <a:picLocks noGrp="1" noChangeAspect="1"/>
+          </p:cNvPicPr>
           <p:nvPr>
-            <p:ph idx="1"/>
+            <p:ph sz="half" idx="1"/>
           </p:nvPr>
-        </p:nvSpPr>
-        <p:spPr/>
-        <p:txBody>
-          <a:bodyPr/>
-          <a:lstStyle/>
-          <a:p>
-            <a:endParaRPr lang="en-US"/>
-          </a:p>
-        </p:txBody>
-      </p:sp>
+        </p:nvPicPr>
+        <p:blipFill>
+          <a:blip r:embed="rId2"/>
+          <a:stretch>
+            <a:fillRect/>
+          </a:stretch>
+        </p:blipFill>
+        <p:spPr>
+          <a:xfrm>
+            <a:off x="404505" y="2960228"/>
+            <a:ext cx="5457574" cy="2338960"/>
+          </a:xfrm>
+        </p:spPr>
+      </p:pic>
+      <p:pic>
+        <p:nvPicPr>
+          <p:cNvPr id="11" name="Content Placeholder 10" descr="A close up of a device&#10;&#10;Description automatically generated">
+            <a:extLst>
+              <a:ext uri="{FF2B5EF4-FFF2-40B4-BE49-F238E27FC236}">
+                <a16:creationId xmlns:a16="http://schemas.microsoft.com/office/drawing/2014/main" id="{4D93C750-0DDA-4D4B-B0B3-30EDD70CADB1}"/>
+              </a:ext>
+            </a:extLst>
+          </p:cNvPr>
+          <p:cNvPicPr>
+            <a:picLocks noGrp="1" noChangeAspect="1"/>
+          </p:cNvPicPr>
+          <p:nvPr>
+            <p:ph sz="half" idx="2"/>
+          </p:nvPr>
+        </p:nvPicPr>
+        <p:blipFill rotWithShape="1">
+          <a:blip r:embed="rId3"/>
+          <a:srcRect l="1605" t="20489" r="-10" b="20490"/>
+          <a:stretch/>
+        </p:blipFill>
+        <p:spPr>
+          <a:xfrm>
+            <a:off x="6329923" y="2960228"/>
+            <a:ext cx="5199529" cy="2338960"/>
+          </a:xfrm>
+        </p:spPr>
+      </p:pic>
       <p:sp>
         <p:nvSpPr>
           <p:cNvPr id="4" name="Slide Number Placeholder 3">
             <a:extLst>
               <a:ext uri="{FF2B5EF4-FFF2-40B4-BE49-F238E27FC236}">
-                <a16:creationId xmlns:a16="http://schemas.microsoft.com/office/drawing/2014/main" id="{38054923-0518-F94E-B210-B82135557C18}"/>
+                <a16:creationId xmlns:a16="http://schemas.microsoft.com/office/drawing/2014/main" id="{364E4BF9-5FAA-4540-A417-221878D0F0D6}"/>
               </a:ext>
             </a:extLst>
           </p:cNvPr>
@@ -37111,10 +37297,124 @@
           </a:p>
         </p:txBody>
       </p:sp>
+      <p:sp>
+        <p:nvSpPr>
+          <p:cNvPr id="5" name="Oval 4">
+            <a:extLst>
+              <a:ext uri="{FF2B5EF4-FFF2-40B4-BE49-F238E27FC236}">
+                <a16:creationId xmlns:a16="http://schemas.microsoft.com/office/drawing/2014/main" id="{238EF480-FA75-E445-AFF6-28735741B11A}"/>
+              </a:ext>
+            </a:extLst>
+          </p:cNvPr>
+          <p:cNvSpPr/>
+          <p:nvPr/>
+        </p:nvSpPr>
+        <p:spPr>
+          <a:xfrm>
+            <a:off x="1775266" y="965412"/>
+            <a:ext cx="1188000" cy="1188000"/>
+          </a:xfrm>
+          <a:prstGeom prst="ellipse">
+            <a:avLst/>
+          </a:prstGeom>
+        </p:spPr>
+        <p:style>
+          <a:lnRef idx="0">
+            <a:schemeClr val="lt1">
+              <a:alpha val="0"/>
+              <a:hueOff val="0"/>
+              <a:satOff val="0"/>
+              <a:lumOff val="0"/>
+              <a:alphaOff val="0"/>
+            </a:schemeClr>
+          </a:lnRef>
+          <a:fillRef idx="1">
+            <a:schemeClr val="accent2">
+              <a:hueOff val="0"/>
+              <a:satOff val="0"/>
+              <a:lumOff val="0"/>
+              <a:alphaOff val="0"/>
+            </a:schemeClr>
+          </a:fillRef>
+          <a:effectRef idx="0">
+            <a:schemeClr val="accent2">
+              <a:hueOff val="0"/>
+              <a:satOff val="0"/>
+              <a:lumOff val="0"/>
+              <a:alphaOff val="0"/>
+            </a:schemeClr>
+          </a:effectRef>
+          <a:fontRef idx="minor"/>
+        </p:style>
+      </p:sp>
+      <p:sp>
+        <p:nvSpPr>
+          <p:cNvPr id="6" name="Rectangle 5" descr="Image">
+            <a:extLst>
+              <a:ext uri="{FF2B5EF4-FFF2-40B4-BE49-F238E27FC236}">
+                <a16:creationId xmlns:a16="http://schemas.microsoft.com/office/drawing/2014/main" id="{45D69137-C1EB-864B-A0AA-2B29556CE0B7}"/>
+              </a:ext>
+            </a:extLst>
+          </p:cNvPr>
+          <p:cNvSpPr/>
+          <p:nvPr/>
+        </p:nvSpPr>
+        <p:spPr>
+          <a:xfrm>
+            <a:off x="2009266" y="1199052"/>
+            <a:ext cx="720000" cy="720000"/>
+          </a:xfrm>
+          <a:prstGeom prst="rect">
+            <a:avLst/>
+          </a:prstGeom>
+          <a:blipFill>
+            <a:blip r:embed="rId4">
+              <a:extLst>
+                <a:ext uri="{28A0092B-C50C-407E-A947-70E740481C1C}">
+                  <a14:useLocalDpi xmlns:a14="http://schemas.microsoft.com/office/drawing/2010/main" val="0"/>
+                </a:ext>
+                <a:ext uri="{96DAC541-7B7A-43D3-8B79-37D633B846F1}">
+                  <asvg:svgBlip xmlns:asvg="http://schemas.microsoft.com/office/drawing/2016/SVG/main" r:embed="rId5"/>
+                </a:ext>
+              </a:extLst>
+            </a:blip>
+            <a:stretch>
+              <a:fillRect/>
+            </a:stretch>
+          </a:blipFill>
+          <a:ln>
+            <a:noFill/>
+          </a:ln>
+        </p:spPr>
+        <p:style>
+          <a:lnRef idx="2">
+            <a:scrgbClr r="0" g="0" b="0"/>
+          </a:lnRef>
+          <a:fillRef idx="1">
+            <a:scrgbClr r="0" g="0" b="0"/>
+          </a:fillRef>
+          <a:effectRef idx="0">
+            <a:schemeClr val="bg1">
+              <a:hueOff val="0"/>
+              <a:satOff val="0"/>
+              <a:lumOff val="0"/>
+              <a:alphaOff val="0"/>
+            </a:schemeClr>
+          </a:effectRef>
+          <a:fontRef idx="minor">
+            <a:schemeClr val="dk1">
+              <a:hueOff val="0"/>
+              <a:satOff val="0"/>
+              <a:lumOff val="0"/>
+              <a:alphaOff val="0"/>
+            </a:schemeClr>
+          </a:fontRef>
+        </p:style>
+      </p:sp>
     </p:spTree>
     <p:extLst>
       <p:ext uri="{BB962C8B-B14F-4D97-AF65-F5344CB8AC3E}">
-        <p14:creationId xmlns:p14="http://schemas.microsoft.com/office/powerpoint/2010/main" val="1290810294"/>
+        <p14:creationId xmlns:p14="http://schemas.microsoft.com/office/powerpoint/2010/main" val="2259375134"/>
       </p:ext>
     </p:extLst>
   </p:cSld>
@@ -37146,7 +37446,7 @@
           <p:cNvPr id="2" name="Title 1">
             <a:extLst>
               <a:ext uri="{FF2B5EF4-FFF2-40B4-BE49-F238E27FC236}">
-                <a16:creationId xmlns:a16="http://schemas.microsoft.com/office/drawing/2014/main" id="{FCDD6BFE-0517-F647-A701-28490C7BE040}"/>
+                <a16:creationId xmlns:a16="http://schemas.microsoft.com/office/drawing/2014/main" id="{F1B72494-FF80-B247-BADA-9A1CD63DF0F3}"/>
               </a:ext>
             </a:extLst>
           </p:cNvPr>
@@ -37157,40 +37457,20 @@
             <p:ph type="title"/>
           </p:nvPr>
         </p:nvSpPr>
-        <p:spPr/>
+        <p:spPr>
+          <a:xfrm>
+            <a:off x="3612776" y="964692"/>
+            <a:ext cx="6348088" cy="1188720"/>
+          </a:xfrm>
+        </p:spPr>
         <p:txBody>
           <a:bodyPr/>
           <a:lstStyle/>
           <a:p>
             <a:r>
               <a:rPr lang="en-US" dirty="0"/>
-              <a:t>Evaluation</a:t>
+              <a:t>Image Manipulation</a:t>
             </a:r>
-          </a:p>
-        </p:txBody>
-      </p:sp>
-      <p:sp>
-        <p:nvSpPr>
-          <p:cNvPr id="3" name="Content Placeholder 2">
-            <a:extLst>
-              <a:ext uri="{FF2B5EF4-FFF2-40B4-BE49-F238E27FC236}">
-                <a16:creationId xmlns:a16="http://schemas.microsoft.com/office/drawing/2014/main" id="{C1B7D6F5-2474-4140-9425-23289E566655}"/>
-              </a:ext>
-            </a:extLst>
-          </p:cNvPr>
-          <p:cNvSpPr>
-            <a:spLocks noGrp="1"/>
-          </p:cNvSpPr>
-          <p:nvPr>
-            <p:ph idx="1"/>
-          </p:nvPr>
-        </p:nvSpPr>
-        <p:spPr/>
-        <p:txBody>
-          <a:bodyPr/>
-          <a:lstStyle/>
-          <a:p>
-            <a:endParaRPr lang="en-US"/>
           </a:p>
         </p:txBody>
       </p:sp>
@@ -37199,7 +37479,7 @@
           <p:cNvPr id="4" name="Slide Number Placeholder 3">
             <a:extLst>
               <a:ext uri="{FF2B5EF4-FFF2-40B4-BE49-F238E27FC236}">
-                <a16:creationId xmlns:a16="http://schemas.microsoft.com/office/drawing/2014/main" id="{CE489C7D-E9FD-1547-9061-B9B0898EB255}"/>
+                <a16:creationId xmlns:a16="http://schemas.microsoft.com/office/drawing/2014/main" id="{364E4BF9-5FAA-4540-A417-221878D0F0D6}"/>
               </a:ext>
             </a:extLst>
           </p:cNvPr>
@@ -37223,10 +37503,182 @@
           </a:p>
         </p:txBody>
       </p:sp>
+      <p:sp>
+        <p:nvSpPr>
+          <p:cNvPr id="5" name="Oval 4">
+            <a:extLst>
+              <a:ext uri="{FF2B5EF4-FFF2-40B4-BE49-F238E27FC236}">
+                <a16:creationId xmlns:a16="http://schemas.microsoft.com/office/drawing/2014/main" id="{238EF480-FA75-E445-AFF6-28735741B11A}"/>
+              </a:ext>
+            </a:extLst>
+          </p:cNvPr>
+          <p:cNvSpPr/>
+          <p:nvPr/>
+        </p:nvSpPr>
+        <p:spPr>
+          <a:xfrm>
+            <a:off x="1775266" y="965412"/>
+            <a:ext cx="1188000" cy="1188000"/>
+          </a:xfrm>
+          <a:prstGeom prst="ellipse">
+            <a:avLst/>
+          </a:prstGeom>
+        </p:spPr>
+        <p:style>
+          <a:lnRef idx="0">
+            <a:schemeClr val="lt1">
+              <a:alpha val="0"/>
+              <a:hueOff val="0"/>
+              <a:satOff val="0"/>
+              <a:lumOff val="0"/>
+              <a:alphaOff val="0"/>
+            </a:schemeClr>
+          </a:lnRef>
+          <a:fillRef idx="1">
+            <a:schemeClr val="accent2">
+              <a:hueOff val="0"/>
+              <a:satOff val="0"/>
+              <a:lumOff val="0"/>
+              <a:alphaOff val="0"/>
+            </a:schemeClr>
+          </a:fillRef>
+          <a:effectRef idx="0">
+            <a:schemeClr val="accent2">
+              <a:hueOff val="0"/>
+              <a:satOff val="0"/>
+              <a:lumOff val="0"/>
+              <a:alphaOff val="0"/>
+            </a:schemeClr>
+          </a:effectRef>
+          <a:fontRef idx="minor"/>
+        </p:style>
+      </p:sp>
+      <p:sp>
+        <p:nvSpPr>
+          <p:cNvPr id="6" name="Rectangle 5" descr="Image">
+            <a:extLst>
+              <a:ext uri="{FF2B5EF4-FFF2-40B4-BE49-F238E27FC236}">
+                <a16:creationId xmlns:a16="http://schemas.microsoft.com/office/drawing/2014/main" id="{45D69137-C1EB-864B-A0AA-2B29556CE0B7}"/>
+              </a:ext>
+            </a:extLst>
+          </p:cNvPr>
+          <p:cNvSpPr/>
+          <p:nvPr/>
+        </p:nvSpPr>
+        <p:spPr>
+          <a:xfrm>
+            <a:off x="2009266" y="1199052"/>
+            <a:ext cx="720000" cy="720000"/>
+          </a:xfrm>
+          <a:prstGeom prst="rect">
+            <a:avLst/>
+          </a:prstGeom>
+          <a:blipFill>
+            <a:blip r:embed="rId2">
+              <a:extLst>
+                <a:ext uri="{28A0092B-C50C-407E-A947-70E740481C1C}">
+                  <a14:useLocalDpi xmlns:a14="http://schemas.microsoft.com/office/drawing/2010/main" val="0"/>
+                </a:ext>
+                <a:ext uri="{96DAC541-7B7A-43D3-8B79-37D633B846F1}">
+                  <asvg:svgBlip xmlns:asvg="http://schemas.microsoft.com/office/drawing/2016/SVG/main" r:embed="rId3"/>
+                </a:ext>
+              </a:extLst>
+            </a:blip>
+            <a:stretch>
+              <a:fillRect/>
+            </a:stretch>
+          </a:blipFill>
+          <a:ln>
+            <a:noFill/>
+          </a:ln>
+        </p:spPr>
+        <p:style>
+          <a:lnRef idx="2">
+            <a:scrgbClr r="0" g="0" b="0"/>
+          </a:lnRef>
+          <a:fillRef idx="1">
+            <a:scrgbClr r="0" g="0" b="0"/>
+          </a:fillRef>
+          <a:effectRef idx="0">
+            <a:schemeClr val="bg1">
+              <a:hueOff val="0"/>
+              <a:satOff val="0"/>
+              <a:lumOff val="0"/>
+              <a:alphaOff val="0"/>
+            </a:schemeClr>
+          </a:effectRef>
+          <a:fontRef idx="minor">
+            <a:schemeClr val="dk1">
+              <a:hueOff val="0"/>
+              <a:satOff val="0"/>
+              <a:lumOff val="0"/>
+              <a:alphaOff val="0"/>
+            </a:schemeClr>
+          </a:fontRef>
+        </p:style>
+      </p:sp>
+      <p:pic>
+        <p:nvPicPr>
+          <p:cNvPr id="13" name="Content Placeholder 12" descr="A screenshot of a cell phone&#10;&#10;Description automatically generated">
+            <a:extLst>
+              <a:ext uri="{FF2B5EF4-FFF2-40B4-BE49-F238E27FC236}">
+                <a16:creationId xmlns:a16="http://schemas.microsoft.com/office/drawing/2014/main" id="{9A75AF03-3887-1641-AE01-60BF5EE35CFA}"/>
+              </a:ext>
+            </a:extLst>
+          </p:cNvPr>
+          <p:cNvPicPr>
+            <a:picLocks noGrp="1" noChangeAspect="1"/>
+          </p:cNvPicPr>
+          <p:nvPr>
+            <p:ph sz="half" idx="1"/>
+          </p:nvPr>
+        </p:nvPicPr>
+        <p:blipFill>
+          <a:blip r:embed="rId4"/>
+          <a:stretch>
+            <a:fillRect/>
+          </a:stretch>
+        </p:blipFill>
+        <p:spPr>
+          <a:xfrm>
+            <a:off x="437072" y="3192630"/>
+            <a:ext cx="5416041" cy="1993563"/>
+          </a:xfrm>
+        </p:spPr>
+      </p:pic>
+      <p:pic>
+        <p:nvPicPr>
+          <p:cNvPr id="15" name="Content Placeholder 14">
+            <a:extLst>
+              <a:ext uri="{FF2B5EF4-FFF2-40B4-BE49-F238E27FC236}">
+                <a16:creationId xmlns:a16="http://schemas.microsoft.com/office/drawing/2014/main" id="{B40641C7-FA91-5340-A849-253047FBA6D5}"/>
+              </a:ext>
+            </a:extLst>
+          </p:cNvPr>
+          <p:cNvPicPr>
+            <a:picLocks noGrp="1" noChangeAspect="1"/>
+          </p:cNvPicPr>
+          <p:nvPr>
+            <p:ph sz="half" idx="2"/>
+          </p:nvPr>
+        </p:nvPicPr>
+        <p:blipFill>
+          <a:blip r:embed="rId5"/>
+          <a:stretch>
+            <a:fillRect/>
+          </a:stretch>
+        </p:blipFill>
+        <p:spPr>
+          <a:xfrm>
+            <a:off x="6338888" y="2364987"/>
+            <a:ext cx="4785793" cy="3441257"/>
+          </a:xfrm>
+        </p:spPr>
+      </p:pic>
     </p:spTree>
     <p:extLst>
       <p:ext uri="{BB962C8B-B14F-4D97-AF65-F5344CB8AC3E}">
-        <p14:creationId xmlns:p14="http://schemas.microsoft.com/office/powerpoint/2010/main" val="2425326413"/>
+        <p14:creationId xmlns:p14="http://schemas.microsoft.com/office/powerpoint/2010/main" val="4032908242"/>
       </p:ext>
     </p:extLst>
   </p:cSld>
@@ -37237,6 +37689,673 @@
 </file>
 
 <file path=ppt/slides/slide15.xml><?xml version="1.0" encoding="utf-8"?>
+<p:sld xmlns:a="http://schemas.openxmlformats.org/drawingml/2006/main" xmlns:r="http://schemas.openxmlformats.org/officeDocument/2006/relationships" xmlns:p="http://schemas.openxmlformats.org/presentationml/2006/main">
+  <p:cSld>
+    <p:spTree>
+      <p:nvGrpSpPr>
+        <p:cNvPr id="1" name=""/>
+        <p:cNvGrpSpPr/>
+        <p:nvPr/>
+      </p:nvGrpSpPr>
+      <p:grpSpPr>
+        <a:xfrm>
+          <a:off x="0" y="0"/>
+          <a:ext cx="0" cy="0"/>
+          <a:chOff x="0" y="0"/>
+          <a:chExt cx="0" cy="0"/>
+        </a:xfrm>
+      </p:grpSpPr>
+      <p:sp>
+        <p:nvSpPr>
+          <p:cNvPr id="12" name="Text Placeholder 11">
+            <a:extLst>
+              <a:ext uri="{FF2B5EF4-FFF2-40B4-BE49-F238E27FC236}">
+                <a16:creationId xmlns:a16="http://schemas.microsoft.com/office/drawing/2014/main" id="{BBDBB3E3-9370-2E48-9336-62C797E4EDEF}"/>
+              </a:ext>
+            </a:extLst>
+          </p:cNvPr>
+          <p:cNvSpPr>
+            <a:spLocks noGrp="1"/>
+          </p:cNvSpPr>
+          <p:nvPr>
+            <p:ph type="body" idx="1"/>
+          </p:nvPr>
+        </p:nvSpPr>
+        <p:spPr/>
+        <p:txBody>
+          <a:bodyPr/>
+          <a:lstStyle/>
+          <a:p>
+            <a:r>
+              <a:rPr lang="en-US" dirty="0"/>
+              <a:t>overall</a:t>
+            </a:r>
+          </a:p>
+        </p:txBody>
+      </p:sp>
+      <p:sp>
+        <p:nvSpPr>
+          <p:cNvPr id="7" name="Content Placeholder 6">
+            <a:extLst>
+              <a:ext uri="{FF2B5EF4-FFF2-40B4-BE49-F238E27FC236}">
+                <a16:creationId xmlns:a16="http://schemas.microsoft.com/office/drawing/2014/main" id="{00705E45-6AE8-4F42-AC61-1D5A60192B35}"/>
+              </a:ext>
+            </a:extLst>
+          </p:cNvPr>
+          <p:cNvSpPr>
+            <a:spLocks noGrp="1"/>
+          </p:cNvSpPr>
+          <p:nvPr>
+            <p:ph sz="half" idx="2"/>
+          </p:nvPr>
+        </p:nvSpPr>
+        <p:spPr/>
+        <p:txBody>
+          <a:bodyPr anchor="ctr">
+            <a:normAutofit/>
+          </a:bodyPr>
+          <a:lstStyle/>
+          <a:p>
+            <a:r>
+              <a:rPr lang="en-US" sz="2400" dirty="0"/>
+              <a:t>Find candidates</a:t>
+            </a:r>
+          </a:p>
+          <a:p>
+            <a:r>
+              <a:rPr lang="en-US" sz="2400" dirty="0"/>
+              <a:t>Test</a:t>
+            </a:r>
+          </a:p>
+          <a:p>
+            <a:r>
+              <a:rPr lang="en-US" sz="2400" dirty="0"/>
+              <a:t>Choice</a:t>
+            </a:r>
+          </a:p>
+        </p:txBody>
+      </p:sp>
+      <p:sp>
+        <p:nvSpPr>
+          <p:cNvPr id="14" name="Content Placeholder 13">
+            <a:extLst>
+              <a:ext uri="{FF2B5EF4-FFF2-40B4-BE49-F238E27FC236}">
+                <a16:creationId xmlns:a16="http://schemas.microsoft.com/office/drawing/2014/main" id="{8F682F79-8881-254F-A7B1-7311FE4D355B}"/>
+              </a:ext>
+            </a:extLst>
+          </p:cNvPr>
+          <p:cNvSpPr>
+            <a:spLocks noGrp="1"/>
+          </p:cNvSpPr>
+          <p:nvPr>
+            <p:ph sz="quarter" idx="4"/>
+          </p:nvPr>
+        </p:nvSpPr>
+        <p:spPr/>
+        <p:txBody>
+          <a:bodyPr anchor="ctr">
+            <a:normAutofit/>
+          </a:bodyPr>
+          <a:lstStyle/>
+          <a:p>
+            <a:r>
+              <a:rPr lang="en-US" sz="2400" dirty="0"/>
+              <a:t>Search for regions</a:t>
+            </a:r>
+          </a:p>
+          <a:p>
+            <a:r>
+              <a:rPr lang="en-US" sz="2400" dirty="0"/>
+              <a:t>Selection</a:t>
+            </a:r>
+          </a:p>
+        </p:txBody>
+      </p:sp>
+      <p:sp>
+        <p:nvSpPr>
+          <p:cNvPr id="16" name="Text Placeholder 15">
+            <a:extLst>
+              <a:ext uri="{FF2B5EF4-FFF2-40B4-BE49-F238E27FC236}">
+                <a16:creationId xmlns:a16="http://schemas.microsoft.com/office/drawing/2014/main" id="{FD62E923-0880-F94B-A5A9-E892CDE7EEFF}"/>
+              </a:ext>
+            </a:extLst>
+          </p:cNvPr>
+          <p:cNvSpPr>
+            <a:spLocks noGrp="1"/>
+          </p:cNvSpPr>
+          <p:nvPr>
+            <p:ph type="body" sz="quarter" idx="13"/>
+          </p:nvPr>
+        </p:nvSpPr>
+        <p:spPr/>
+        <p:txBody>
+          <a:bodyPr/>
+          <a:lstStyle/>
+          <a:p>
+            <a:r>
+              <a:rPr lang="en-US" dirty="0"/>
+              <a:t>Find Candidates</a:t>
+            </a:r>
+          </a:p>
+        </p:txBody>
+      </p:sp>
+      <p:sp>
+        <p:nvSpPr>
+          <p:cNvPr id="4" name="Slide Number Placeholder 3">
+            <a:extLst>
+              <a:ext uri="{FF2B5EF4-FFF2-40B4-BE49-F238E27FC236}">
+                <a16:creationId xmlns:a16="http://schemas.microsoft.com/office/drawing/2014/main" id="{364E4BF9-5FAA-4540-A417-221878D0F0D6}"/>
+              </a:ext>
+            </a:extLst>
+          </p:cNvPr>
+          <p:cNvSpPr>
+            <a:spLocks noGrp="1"/>
+          </p:cNvSpPr>
+          <p:nvPr>
+            <p:ph type="sldNum" sz="quarter" idx="12"/>
+          </p:nvPr>
+        </p:nvSpPr>
+        <p:spPr/>
+        <p:txBody>
+          <a:bodyPr/>
+          <a:lstStyle/>
+          <a:p>
+            <a:fld id="{64BDB321-83F7-894B-AB0C-3EBC94EBEAB1}" type="slidenum">
+              <a:rPr lang="en-US" smtClean="0"/>
+              <a:t>14</a:t>
+            </a:fld>
+            <a:endParaRPr lang="en-US"/>
+          </a:p>
+        </p:txBody>
+      </p:sp>
+      <p:sp>
+        <p:nvSpPr>
+          <p:cNvPr id="2" name="Title 1">
+            <a:extLst>
+              <a:ext uri="{FF2B5EF4-FFF2-40B4-BE49-F238E27FC236}">
+                <a16:creationId xmlns:a16="http://schemas.microsoft.com/office/drawing/2014/main" id="{F1B72494-FF80-B247-BADA-9A1CD63DF0F3}"/>
+              </a:ext>
+            </a:extLst>
+          </p:cNvPr>
+          <p:cNvSpPr>
+            <a:spLocks noGrp="1"/>
+          </p:cNvSpPr>
+          <p:nvPr>
+            <p:ph type="title"/>
+          </p:nvPr>
+        </p:nvSpPr>
+        <p:spPr>
+          <a:xfrm>
+            <a:off x="3612776" y="964692"/>
+            <a:ext cx="6348088" cy="1188720"/>
+          </a:xfrm>
+        </p:spPr>
+        <p:txBody>
+          <a:bodyPr/>
+          <a:lstStyle/>
+          <a:p>
+            <a:r>
+              <a:rPr lang="en-US" dirty="0"/>
+              <a:t>The Search</a:t>
+            </a:r>
+          </a:p>
+        </p:txBody>
+      </p:sp>
+      <p:sp>
+        <p:nvSpPr>
+          <p:cNvPr id="8" name="Oval 7">
+            <a:extLst>
+              <a:ext uri="{FF2B5EF4-FFF2-40B4-BE49-F238E27FC236}">
+                <a16:creationId xmlns:a16="http://schemas.microsoft.com/office/drawing/2014/main" id="{8AD8BE39-5B2C-4B45-A13F-05568E8125B5}"/>
+              </a:ext>
+            </a:extLst>
+          </p:cNvPr>
+          <p:cNvSpPr/>
+          <p:nvPr/>
+        </p:nvSpPr>
+        <p:spPr>
+          <a:xfrm>
+            <a:off x="1784496" y="964692"/>
+            <a:ext cx="1188000" cy="1188000"/>
+          </a:xfrm>
+          <a:prstGeom prst="ellipse">
+            <a:avLst/>
+          </a:prstGeom>
+        </p:spPr>
+        <p:style>
+          <a:lnRef idx="0">
+            <a:schemeClr val="lt1">
+              <a:alpha val="0"/>
+              <a:hueOff val="0"/>
+              <a:satOff val="0"/>
+              <a:lumOff val="0"/>
+              <a:alphaOff val="0"/>
+            </a:schemeClr>
+          </a:lnRef>
+          <a:fillRef idx="1">
+            <a:schemeClr val="accent3">
+              <a:hueOff val="0"/>
+              <a:satOff val="0"/>
+              <a:lumOff val="0"/>
+              <a:alphaOff val="0"/>
+            </a:schemeClr>
+          </a:fillRef>
+          <a:effectRef idx="0">
+            <a:schemeClr val="accent3">
+              <a:hueOff val="0"/>
+              <a:satOff val="0"/>
+              <a:lumOff val="0"/>
+              <a:alphaOff val="0"/>
+            </a:schemeClr>
+          </a:effectRef>
+          <a:fontRef idx="minor"/>
+        </p:style>
+      </p:sp>
+      <p:sp>
+        <p:nvSpPr>
+          <p:cNvPr id="9" name="Rectangle 8" descr="Binoculars">
+            <a:extLst>
+              <a:ext uri="{FF2B5EF4-FFF2-40B4-BE49-F238E27FC236}">
+                <a16:creationId xmlns:a16="http://schemas.microsoft.com/office/drawing/2014/main" id="{7AAC25A8-A887-F34C-9E6D-6EE94F7ACD67}"/>
+              </a:ext>
+            </a:extLst>
+          </p:cNvPr>
+          <p:cNvSpPr/>
+          <p:nvPr/>
+        </p:nvSpPr>
+        <p:spPr>
+          <a:xfrm>
+            <a:off x="2018496" y="1198692"/>
+            <a:ext cx="720000" cy="720000"/>
+          </a:xfrm>
+          <a:prstGeom prst="rect">
+            <a:avLst/>
+          </a:prstGeom>
+          <a:blipFill>
+            <a:blip r:embed="rId2">
+              <a:extLst>
+                <a:ext uri="{28A0092B-C50C-407E-A947-70E740481C1C}">
+                  <a14:useLocalDpi xmlns:a14="http://schemas.microsoft.com/office/drawing/2010/main" val="0"/>
+                </a:ext>
+                <a:ext uri="{96DAC541-7B7A-43D3-8B79-37D633B846F1}">
+                  <asvg:svgBlip xmlns:asvg="http://schemas.microsoft.com/office/drawing/2016/SVG/main" r:embed="rId3"/>
+                </a:ext>
+              </a:extLst>
+            </a:blip>
+            <a:stretch>
+              <a:fillRect/>
+            </a:stretch>
+          </a:blipFill>
+          <a:ln>
+            <a:noFill/>
+          </a:ln>
+        </p:spPr>
+        <p:style>
+          <a:lnRef idx="2">
+            <a:scrgbClr r="0" g="0" b="0"/>
+          </a:lnRef>
+          <a:fillRef idx="1">
+            <a:scrgbClr r="0" g="0" b="0"/>
+          </a:fillRef>
+          <a:effectRef idx="0">
+            <a:schemeClr val="bg1">
+              <a:hueOff val="0"/>
+              <a:satOff val="0"/>
+              <a:lumOff val="0"/>
+              <a:alphaOff val="0"/>
+            </a:schemeClr>
+          </a:effectRef>
+          <a:fontRef idx="minor">
+            <a:schemeClr val="dk1">
+              <a:hueOff val="0"/>
+              <a:satOff val="0"/>
+              <a:lumOff val="0"/>
+              <a:alphaOff val="0"/>
+            </a:schemeClr>
+          </a:fontRef>
+        </p:style>
+      </p:sp>
+    </p:spTree>
+    <p:extLst>
+      <p:ext uri="{BB962C8B-B14F-4D97-AF65-F5344CB8AC3E}">
+        <p14:creationId xmlns:p14="http://schemas.microsoft.com/office/powerpoint/2010/main" val="3185630417"/>
+      </p:ext>
+    </p:extLst>
+  </p:cSld>
+  <p:clrMapOvr>
+    <a:masterClrMapping/>
+  </p:clrMapOvr>
+</p:sld>
+</file>
+
+<file path=ppt/slides/slide16.xml><?xml version="1.0" encoding="utf-8"?>
+<p:sld xmlns:a="http://schemas.openxmlformats.org/drawingml/2006/main" xmlns:r="http://schemas.openxmlformats.org/officeDocument/2006/relationships" xmlns:p="http://schemas.openxmlformats.org/presentationml/2006/main">
+  <p:cSld>
+    <p:spTree>
+      <p:nvGrpSpPr>
+        <p:cNvPr id="1" name=""/>
+        <p:cNvGrpSpPr/>
+        <p:nvPr/>
+      </p:nvGrpSpPr>
+      <p:grpSpPr>
+        <a:xfrm>
+          <a:off x="0" y="0"/>
+          <a:ext cx="0" cy="0"/>
+          <a:chOff x="0" y="0"/>
+          <a:chExt cx="0" cy="0"/>
+        </a:xfrm>
+      </p:grpSpPr>
+      <p:sp>
+        <p:nvSpPr>
+          <p:cNvPr id="3" name="Text Placeholder 2">
+            <a:extLst>
+              <a:ext uri="{FF2B5EF4-FFF2-40B4-BE49-F238E27FC236}">
+                <a16:creationId xmlns:a16="http://schemas.microsoft.com/office/drawing/2014/main" id="{EF380E5B-281E-FD45-8ACD-DAF1B24B67F6}"/>
+              </a:ext>
+            </a:extLst>
+          </p:cNvPr>
+          <p:cNvSpPr>
+            <a:spLocks noGrp="1"/>
+          </p:cNvSpPr>
+          <p:nvPr>
+            <p:ph type="body" idx="1"/>
+          </p:nvPr>
+        </p:nvSpPr>
+        <p:spPr/>
+        <p:txBody>
+          <a:bodyPr/>
+          <a:lstStyle/>
+          <a:p>
+            <a:r>
+              <a:rPr lang="en-US" dirty="0"/>
+              <a:t>histogram</a:t>
+            </a:r>
+          </a:p>
+        </p:txBody>
+      </p:sp>
+      <p:pic>
+        <p:nvPicPr>
+          <p:cNvPr id="10" name="Content Placeholder 9" descr="A picture containing screenshot&#10;&#10;Description automatically generated">
+            <a:extLst>
+              <a:ext uri="{FF2B5EF4-FFF2-40B4-BE49-F238E27FC236}">
+                <a16:creationId xmlns:a16="http://schemas.microsoft.com/office/drawing/2014/main" id="{6BCB39D6-CB4C-C34E-8F56-16B93411765A}"/>
+              </a:ext>
+            </a:extLst>
+          </p:cNvPr>
+          <p:cNvPicPr>
+            <a:picLocks noGrp="1" noChangeAspect="1"/>
+          </p:cNvPicPr>
+          <p:nvPr>
+            <p:ph sz="half" idx="2"/>
+          </p:nvPr>
+        </p:nvPicPr>
+        <p:blipFill>
+          <a:blip r:embed="rId2"/>
+          <a:stretch>
+            <a:fillRect/>
+          </a:stretch>
+        </p:blipFill>
+        <p:spPr>
+          <a:xfrm>
+            <a:off x="1986492" y="3143250"/>
+            <a:ext cx="3462866" cy="2597150"/>
+          </a:xfrm>
+        </p:spPr>
+      </p:pic>
+      <p:sp>
+        <p:nvSpPr>
+          <p:cNvPr id="14" name="Content Placeholder 13">
+            <a:extLst>
+              <a:ext uri="{FF2B5EF4-FFF2-40B4-BE49-F238E27FC236}">
+                <a16:creationId xmlns:a16="http://schemas.microsoft.com/office/drawing/2014/main" id="{8F682F79-8881-254F-A7B1-7311FE4D355B}"/>
+              </a:ext>
+            </a:extLst>
+          </p:cNvPr>
+          <p:cNvSpPr>
+            <a:spLocks noGrp="1"/>
+          </p:cNvSpPr>
+          <p:nvPr>
+            <p:ph sz="quarter" idx="4"/>
+          </p:nvPr>
+        </p:nvSpPr>
+        <p:spPr/>
+        <p:txBody>
+          <a:bodyPr anchor="ctr">
+            <a:normAutofit/>
+          </a:bodyPr>
+          <a:lstStyle/>
+          <a:p>
+            <a:r>
+              <a:rPr lang="en-US" sz="2400" dirty="0"/>
+              <a:t>Iterate and correlations</a:t>
+            </a:r>
+          </a:p>
+          <a:p>
+            <a:r>
+              <a:rPr lang="en-US" sz="2400" dirty="0"/>
+              <a:t>Selection</a:t>
+            </a:r>
+          </a:p>
+        </p:txBody>
+      </p:sp>
+      <p:sp>
+        <p:nvSpPr>
+          <p:cNvPr id="5" name="Text Placeholder 4">
+            <a:extLst>
+              <a:ext uri="{FF2B5EF4-FFF2-40B4-BE49-F238E27FC236}">
+                <a16:creationId xmlns:a16="http://schemas.microsoft.com/office/drawing/2014/main" id="{E08D80CD-9740-E04B-99AE-DAC7467CC9BD}"/>
+              </a:ext>
+            </a:extLst>
+          </p:cNvPr>
+          <p:cNvSpPr>
+            <a:spLocks noGrp="1"/>
+          </p:cNvSpPr>
+          <p:nvPr>
+            <p:ph type="body" sz="quarter" idx="13"/>
+          </p:nvPr>
+        </p:nvSpPr>
+        <p:spPr/>
+        <p:txBody>
+          <a:bodyPr/>
+          <a:lstStyle/>
+          <a:p>
+            <a:r>
+              <a:rPr lang="en-US" dirty="0"/>
+              <a:t>Iterate regions</a:t>
+            </a:r>
+          </a:p>
+        </p:txBody>
+      </p:sp>
+      <p:sp>
+        <p:nvSpPr>
+          <p:cNvPr id="4" name="Slide Number Placeholder 3">
+            <a:extLst>
+              <a:ext uri="{FF2B5EF4-FFF2-40B4-BE49-F238E27FC236}">
+                <a16:creationId xmlns:a16="http://schemas.microsoft.com/office/drawing/2014/main" id="{364E4BF9-5FAA-4540-A417-221878D0F0D6}"/>
+              </a:ext>
+            </a:extLst>
+          </p:cNvPr>
+          <p:cNvSpPr>
+            <a:spLocks noGrp="1"/>
+          </p:cNvSpPr>
+          <p:nvPr>
+            <p:ph type="sldNum" sz="quarter" idx="12"/>
+          </p:nvPr>
+        </p:nvSpPr>
+        <p:spPr/>
+        <p:txBody>
+          <a:bodyPr/>
+          <a:lstStyle/>
+          <a:p>
+            <a:fld id="{64BDB321-83F7-894B-AB0C-3EBC94EBEAB1}" type="slidenum">
+              <a:rPr lang="en-US" smtClean="0"/>
+              <a:t>15</a:t>
+            </a:fld>
+            <a:endParaRPr lang="en-US"/>
+          </a:p>
+        </p:txBody>
+      </p:sp>
+      <p:sp>
+        <p:nvSpPr>
+          <p:cNvPr id="2" name="Title 1">
+            <a:extLst>
+              <a:ext uri="{FF2B5EF4-FFF2-40B4-BE49-F238E27FC236}">
+                <a16:creationId xmlns:a16="http://schemas.microsoft.com/office/drawing/2014/main" id="{F1B72494-FF80-B247-BADA-9A1CD63DF0F3}"/>
+              </a:ext>
+            </a:extLst>
+          </p:cNvPr>
+          <p:cNvSpPr>
+            <a:spLocks noGrp="1"/>
+          </p:cNvSpPr>
+          <p:nvPr>
+            <p:ph type="title"/>
+          </p:nvPr>
+        </p:nvSpPr>
+        <p:spPr>
+          <a:xfrm>
+            <a:off x="3612776" y="964692"/>
+            <a:ext cx="6348088" cy="1188720"/>
+          </a:xfrm>
+        </p:spPr>
+        <p:txBody>
+          <a:bodyPr/>
+          <a:lstStyle/>
+          <a:p>
+            <a:r>
+              <a:rPr lang="en-US" dirty="0"/>
+              <a:t>Find candidates</a:t>
+            </a:r>
+          </a:p>
+        </p:txBody>
+      </p:sp>
+      <p:sp>
+        <p:nvSpPr>
+          <p:cNvPr id="8" name="Oval 7">
+            <a:extLst>
+              <a:ext uri="{FF2B5EF4-FFF2-40B4-BE49-F238E27FC236}">
+                <a16:creationId xmlns:a16="http://schemas.microsoft.com/office/drawing/2014/main" id="{8AD8BE39-5B2C-4B45-A13F-05568E8125B5}"/>
+              </a:ext>
+            </a:extLst>
+          </p:cNvPr>
+          <p:cNvSpPr/>
+          <p:nvPr/>
+        </p:nvSpPr>
+        <p:spPr>
+          <a:xfrm>
+            <a:off x="1784496" y="964692"/>
+            <a:ext cx="1188000" cy="1188000"/>
+          </a:xfrm>
+          <a:prstGeom prst="ellipse">
+            <a:avLst/>
+          </a:prstGeom>
+        </p:spPr>
+        <p:style>
+          <a:lnRef idx="0">
+            <a:schemeClr val="lt1">
+              <a:alpha val="0"/>
+              <a:hueOff val="0"/>
+              <a:satOff val="0"/>
+              <a:lumOff val="0"/>
+              <a:alphaOff val="0"/>
+            </a:schemeClr>
+          </a:lnRef>
+          <a:fillRef idx="1">
+            <a:schemeClr val="accent3">
+              <a:hueOff val="0"/>
+              <a:satOff val="0"/>
+              <a:lumOff val="0"/>
+              <a:alphaOff val="0"/>
+            </a:schemeClr>
+          </a:fillRef>
+          <a:effectRef idx="0">
+            <a:schemeClr val="accent3">
+              <a:hueOff val="0"/>
+              <a:satOff val="0"/>
+              <a:lumOff val="0"/>
+              <a:alphaOff val="0"/>
+            </a:schemeClr>
+          </a:effectRef>
+          <a:fontRef idx="minor"/>
+        </p:style>
+      </p:sp>
+      <p:sp>
+        <p:nvSpPr>
+          <p:cNvPr id="9" name="Rectangle 8" descr="Binoculars">
+            <a:extLst>
+              <a:ext uri="{FF2B5EF4-FFF2-40B4-BE49-F238E27FC236}">
+                <a16:creationId xmlns:a16="http://schemas.microsoft.com/office/drawing/2014/main" id="{7AAC25A8-A887-F34C-9E6D-6EE94F7ACD67}"/>
+              </a:ext>
+            </a:extLst>
+          </p:cNvPr>
+          <p:cNvSpPr/>
+          <p:nvPr/>
+        </p:nvSpPr>
+        <p:spPr>
+          <a:xfrm>
+            <a:off x="2018496" y="1198692"/>
+            <a:ext cx="720000" cy="720000"/>
+          </a:xfrm>
+          <a:prstGeom prst="rect">
+            <a:avLst/>
+          </a:prstGeom>
+          <a:blipFill>
+            <a:blip r:embed="rId3">
+              <a:extLst>
+                <a:ext uri="{28A0092B-C50C-407E-A947-70E740481C1C}">
+                  <a14:useLocalDpi xmlns:a14="http://schemas.microsoft.com/office/drawing/2010/main" val="0"/>
+                </a:ext>
+                <a:ext uri="{96DAC541-7B7A-43D3-8B79-37D633B846F1}">
+                  <asvg:svgBlip xmlns:asvg="http://schemas.microsoft.com/office/drawing/2016/SVG/main" r:embed="rId4"/>
+                </a:ext>
+              </a:extLst>
+            </a:blip>
+            <a:stretch>
+              <a:fillRect/>
+            </a:stretch>
+          </a:blipFill>
+          <a:ln>
+            <a:noFill/>
+          </a:ln>
+        </p:spPr>
+        <p:style>
+          <a:lnRef idx="2">
+            <a:scrgbClr r="0" g="0" b="0"/>
+          </a:lnRef>
+          <a:fillRef idx="1">
+            <a:scrgbClr r="0" g="0" b="0"/>
+          </a:fillRef>
+          <a:effectRef idx="0">
+            <a:schemeClr val="bg1">
+              <a:hueOff val="0"/>
+              <a:satOff val="0"/>
+              <a:lumOff val="0"/>
+              <a:alphaOff val="0"/>
+            </a:schemeClr>
+          </a:effectRef>
+          <a:fontRef idx="minor">
+            <a:schemeClr val="dk1">
+              <a:hueOff val="0"/>
+              <a:satOff val="0"/>
+              <a:lumOff val="0"/>
+              <a:alphaOff val="0"/>
+            </a:schemeClr>
+          </a:fontRef>
+        </p:style>
+      </p:sp>
+    </p:spTree>
+    <p:extLst>
+      <p:ext uri="{BB962C8B-B14F-4D97-AF65-F5344CB8AC3E}">
+        <p14:creationId xmlns:p14="http://schemas.microsoft.com/office/powerpoint/2010/main" val="3091807244"/>
+      </p:ext>
+    </p:extLst>
+  </p:cSld>
+  <p:clrMapOvr>
+    <a:masterClrMapping/>
+  </p:clrMapOvr>
+</p:sld>
+</file>
+
+<file path=ppt/slides/slide17.xml><?xml version="1.0" encoding="utf-8"?>
 <p:sld xmlns:a="http://schemas.openxmlformats.org/drawingml/2006/main" xmlns:r="http://schemas.openxmlformats.org/officeDocument/2006/relationships" xmlns:p="http://schemas.openxmlformats.org/presentationml/2006/main">
   <p:cSld>
     <p:bg>
@@ -37484,7 +38603,7 @@
           <a:p>
             <a:fld id="{64BDB321-83F7-894B-AB0C-3EBC94EBEAB1}" type="slidenum">
               <a:rPr lang="en-US" smtClean="0"/>
-              <a:t>14</a:t>
+              <a:t>16</a:t>
             </a:fld>
             <a:endParaRPr lang="en-US"/>
           </a:p>
@@ -37503,7 +38622,7 @@
 </p:sld>
 </file>
 
-<file path=ppt/slides/slide16.xml><?xml version="1.0" encoding="utf-8"?>
+<file path=ppt/slides/slide18.xml><?xml version="1.0" encoding="utf-8"?>
 <p:sld xmlns:a="http://schemas.openxmlformats.org/drawingml/2006/main" xmlns:r="http://schemas.openxmlformats.org/officeDocument/2006/relationships" xmlns:p="http://schemas.openxmlformats.org/presentationml/2006/main">
   <p:cSld>
     <p:spTree>
@@ -37541,7 +38660,10 @@
           <a:bodyPr/>
           <a:lstStyle/>
           <a:p>
-            <a:endParaRPr lang="en-US"/>
+            <a:r>
+              <a:rPr lang="en-US" dirty="0"/>
+              <a:t>Conclusion</a:t>
+            </a:r>
           </a:p>
         </p:txBody>
       </p:sp>
@@ -37563,10 +38685,36 @@
         </p:nvSpPr>
         <p:spPr/>
         <p:txBody>
-          <a:bodyPr/>
+          <a:bodyPr anchor="ctr">
+            <a:normAutofit/>
+          </a:bodyPr>
           <a:lstStyle/>
           <a:p>
-            <a:endParaRPr lang="en-US"/>
+            <a:r>
+              <a:rPr lang="en-US" sz="2400" dirty="0"/>
+              <a:t>Working</a:t>
+            </a:r>
+          </a:p>
+          <a:p>
+            <a:r>
+              <a:rPr lang="en-US" sz="2400" dirty="0"/>
+              <a:t>Selection Problems</a:t>
+            </a:r>
+          </a:p>
+          <a:p>
+            <a:r>
+              <a:rPr lang="en-US" sz="2400" dirty="0"/>
+              <a:t>Selection Solutions</a:t>
+            </a:r>
+          </a:p>
+          <a:p>
+            <a:r>
+              <a:rPr lang="en-US" sz="2400" dirty="0"/>
+              <a:t>Other strategies</a:t>
+            </a:r>
+          </a:p>
+          <a:p>
+            <a:endParaRPr lang="en-US" sz="2400" dirty="0"/>
           </a:p>
         </p:txBody>
       </p:sp>
@@ -37593,7 +38741,7 @@
           <a:p>
             <a:fld id="{64BDB321-83F7-894B-AB0C-3EBC94EBEAB1}" type="slidenum">
               <a:rPr lang="en-US" smtClean="0"/>
-              <a:t>15</a:t>
+              <a:t>17</a:t>
             </a:fld>
             <a:endParaRPr lang="en-US"/>
           </a:p>
@@ -37612,7 +38760,7 @@
 </p:sld>
 </file>
 
-<file path=ppt/slides/slide17.xml><?xml version="1.0" encoding="utf-8"?>
+<file path=ppt/slides/slide19.xml><?xml version="1.0" encoding="utf-8"?>
 <p:sld xmlns:a="http://schemas.openxmlformats.org/drawingml/2006/main" xmlns:r="http://schemas.openxmlformats.org/officeDocument/2006/relationships" xmlns:p="http://schemas.openxmlformats.org/presentationml/2006/main">
   <p:cSld>
     <p:bg>
@@ -37860,7 +39008,7 @@
           <a:p>
             <a:fld id="{64BDB321-83F7-894B-AB0C-3EBC94EBEAB1}" type="slidenum">
               <a:rPr lang="en-US" smtClean="0"/>
-              <a:t>16</a:t>
+              <a:t>18</a:t>
             </a:fld>
             <a:endParaRPr lang="en-US"/>
           </a:p>
@@ -37870,497 +39018,6 @@
     <p:extLst>
       <p:ext uri="{BB962C8B-B14F-4D97-AF65-F5344CB8AC3E}">
         <p14:creationId xmlns:p14="http://schemas.microsoft.com/office/powerpoint/2010/main" val="4042277838"/>
-      </p:ext>
-    </p:extLst>
-  </p:cSld>
-  <p:clrMapOvr>
-    <a:masterClrMapping/>
-  </p:clrMapOvr>
-</p:sld>
-</file>
-
-<file path=ppt/slides/slide18.xml><?xml version="1.0" encoding="utf-8"?>
-<p:sld xmlns:a="http://schemas.openxmlformats.org/drawingml/2006/main" xmlns:r="http://schemas.openxmlformats.org/officeDocument/2006/relationships" xmlns:p="http://schemas.openxmlformats.org/presentationml/2006/main">
-  <p:cSld>
-    <p:bg>
-      <p:bgPr>
-        <a:solidFill>
-          <a:schemeClr val="bg2"/>
-        </a:solidFill>
-        <a:effectLst/>
-      </p:bgPr>
-    </p:bg>
-    <p:spTree>
-      <p:nvGrpSpPr>
-        <p:cNvPr id="1" name=""/>
-        <p:cNvGrpSpPr/>
-        <p:nvPr/>
-      </p:nvGrpSpPr>
-      <p:grpSpPr>
-        <a:xfrm>
-          <a:off x="0" y="0"/>
-          <a:ext cx="0" cy="0"/>
-          <a:chOff x="0" y="0"/>
-          <a:chExt cx="0" cy="0"/>
-        </a:xfrm>
-      </p:grpSpPr>
-      <p:sp>
-        <p:nvSpPr>
-          <p:cNvPr id="2" name="Title 1">
-            <a:extLst>
-              <a:ext uri="{FF2B5EF4-FFF2-40B4-BE49-F238E27FC236}">
-                <a16:creationId xmlns:a16="http://schemas.microsoft.com/office/drawing/2014/main" id="{C38A71AE-036B-C34A-B6BA-09971615E4B9}"/>
-              </a:ext>
-            </a:extLst>
-          </p:cNvPr>
-          <p:cNvSpPr>
-            <a:spLocks noGrp="1"/>
-          </p:cNvSpPr>
-          <p:nvPr>
-            <p:ph type="title"/>
-          </p:nvPr>
-        </p:nvSpPr>
-        <p:spPr>
-          <a:xfrm>
-            <a:off x="965198" y="2474895"/>
-            <a:ext cx="6212764" cy="1908215"/>
-          </a:xfrm>
-          <a:noFill/>
-          <a:ln>
-            <a:solidFill>
-              <a:schemeClr val="tx1"/>
-            </a:solidFill>
-          </a:ln>
-        </p:spPr>
-        <p:txBody>
-          <a:bodyPr vert="horz" wrap="square" lIns="274320" tIns="182880" rIns="274320" bIns="182880" rtlCol="0" anchor="ctr" anchorCtr="1">
-            <a:normAutofit/>
-          </a:bodyPr>
-          <a:lstStyle/>
-          <a:p>
-            <a:r>
-              <a:rPr lang="en-US" sz="4000" kern="1200" cap="all" spc="200" baseline="0">
-                <a:solidFill>
-                  <a:schemeClr val="tx1"/>
-                </a:solidFill>
-                <a:latin typeface="+mj-lt"/>
-                <a:ea typeface="+mj-ea"/>
-                <a:cs typeface="+mj-cs"/>
-              </a:rPr>
-              <a:t>Demo</a:t>
-            </a:r>
-          </a:p>
-        </p:txBody>
-      </p:sp>
-      <p:sp>
-        <p:nvSpPr>
-          <p:cNvPr id="7" name="Rectangle 6">
-            <a:extLst>
-              <a:ext uri="{FF2B5EF4-FFF2-40B4-BE49-F238E27FC236}">
-                <a16:creationId xmlns:a16="http://schemas.microsoft.com/office/drawing/2014/main" id="{157A82F3-F6C4-4325-8C9C-7DF1AD06B2B5}"/>
-              </a:ext>
-              <a:ext uri="{C183D7F6-B498-43B3-948B-1728B52AA6E4}">
-                <adec:decorative xmlns:adec="http://schemas.microsoft.com/office/drawing/2017/decorative" val="1"/>
-              </a:ext>
-            </a:extLst>
-          </p:cNvPr>
-          <p:cNvSpPr>
-            <a:spLocks noGrp="1" noRot="1" noChangeAspect="1" noMove="1" noResize="1" noEditPoints="1" noAdjustHandles="1" noChangeArrowheads="1" noChangeShapeType="1" noTextEdit="1"/>
-          </p:cNvSpPr>
-          <p:nvPr>
-            <p:extLst>
-              <p:ext uri="{386F3935-93C4-4BCD-93E2-E3B085C9AB24}">
-                <p16:designElem xmlns:p16="http://schemas.microsoft.com/office/powerpoint/2015/main" val="1"/>
-              </p:ext>
-            </p:extLst>
-          </p:nvPr>
-        </p:nvSpPr>
-        <p:spPr>
-          <a:xfrm>
-            <a:off x="8129872" y="0"/>
-            <a:ext cx="4062128" cy="6858000"/>
-          </a:xfrm>
-          <a:prstGeom prst="rect">
-            <a:avLst/>
-          </a:prstGeom>
-          <a:solidFill>
-            <a:schemeClr val="bg2">
-              <a:lumMod val="75000"/>
-            </a:schemeClr>
-          </a:solidFill>
-          <a:ln>
-            <a:noFill/>
-          </a:ln>
-        </p:spPr>
-        <p:style>
-          <a:lnRef idx="2">
-            <a:schemeClr val="accent1">
-              <a:shade val="50000"/>
-            </a:schemeClr>
-          </a:lnRef>
-          <a:fillRef idx="1">
-            <a:schemeClr val="accent1"/>
-          </a:fillRef>
-          <a:effectRef idx="0">
-            <a:schemeClr val="accent1"/>
-          </a:effectRef>
-          <a:fontRef idx="minor">
-            <a:schemeClr val="lt1"/>
-          </a:fontRef>
-        </p:style>
-        <p:txBody>
-          <a:bodyPr rtlCol="0" anchor="ctr"/>
-          <a:lstStyle/>
-          <a:p>
-            <a:pPr algn="ctr"/>
-            <a:endParaRPr lang="en-US"/>
-          </a:p>
-        </p:txBody>
-      </p:sp>
-      <p:sp>
-        <p:nvSpPr>
-          <p:cNvPr id="4" name="Triangle 3">
-            <a:extLst>
-              <a:ext uri="{FF2B5EF4-FFF2-40B4-BE49-F238E27FC236}">
-                <a16:creationId xmlns:a16="http://schemas.microsoft.com/office/drawing/2014/main" id="{EED96F11-3BB3-EA46-BE25-86901E66AE43}"/>
-              </a:ext>
-            </a:extLst>
-          </p:cNvPr>
-          <p:cNvSpPr/>
-          <p:nvPr/>
-        </p:nvSpPr>
-        <p:spPr>
-          <a:xfrm rot="5400000">
-            <a:off x="9440936" y="2709000"/>
-            <a:ext cx="1440000" cy="1440000"/>
-          </a:xfrm>
-          <a:prstGeom prst="triangle">
-            <a:avLst/>
-          </a:prstGeom>
-        </p:spPr>
-        <p:style>
-          <a:lnRef idx="2">
-            <a:schemeClr val="accent6"/>
-          </a:lnRef>
-          <a:fillRef idx="1">
-            <a:schemeClr val="lt1"/>
-          </a:fillRef>
-          <a:effectRef idx="0">
-            <a:schemeClr val="accent6"/>
-          </a:effectRef>
-          <a:fontRef idx="minor">
-            <a:schemeClr val="dk1"/>
-          </a:fontRef>
-        </p:style>
-        <p:txBody>
-          <a:bodyPr rtlCol="0" anchor="ctr"/>
-          <a:lstStyle/>
-          <a:p>
-            <a:pPr algn="ctr"/>
-            <a:endParaRPr lang="en-US"/>
-          </a:p>
-        </p:txBody>
-      </p:sp>
-      <p:sp>
-        <p:nvSpPr>
-          <p:cNvPr id="3" name="Slide Number Placeholder 2">
-            <a:extLst>
-              <a:ext uri="{FF2B5EF4-FFF2-40B4-BE49-F238E27FC236}">
-                <a16:creationId xmlns:a16="http://schemas.microsoft.com/office/drawing/2014/main" id="{9E109A63-7CCE-6D49-85CB-BB5AD327FB8F}"/>
-              </a:ext>
-            </a:extLst>
-          </p:cNvPr>
-          <p:cNvSpPr>
-            <a:spLocks noGrp="1"/>
-          </p:cNvSpPr>
-          <p:nvPr>
-            <p:ph type="sldNum" sz="quarter" idx="12"/>
-          </p:nvPr>
-        </p:nvSpPr>
-        <p:spPr/>
-        <p:txBody>
-          <a:bodyPr/>
-          <a:lstStyle/>
-          <a:p>
-            <a:fld id="{64BDB321-83F7-894B-AB0C-3EBC94EBEAB1}" type="slidenum">
-              <a:rPr lang="en-US" smtClean="0"/>
-              <a:t>17</a:t>
-            </a:fld>
-            <a:endParaRPr lang="en-US"/>
-          </a:p>
-        </p:txBody>
-      </p:sp>
-    </p:spTree>
-    <p:extLst>
-      <p:ext uri="{BB962C8B-B14F-4D97-AF65-F5344CB8AC3E}">
-        <p14:creationId xmlns:p14="http://schemas.microsoft.com/office/powerpoint/2010/main" val="1609365230"/>
-      </p:ext>
-    </p:extLst>
-  </p:cSld>
-  <p:clrMapOvr>
-    <a:overrideClrMapping bg1="dk1" tx1="lt1" bg2="dk2" tx2="lt2" accent1="accent1" accent2="accent2" accent3="accent3" accent4="accent4" accent5="accent5" accent6="accent6" hlink="hlink" folHlink="folHlink"/>
-  </p:clrMapOvr>
-</p:sld>
-</file>
-
-<file path=ppt/slides/slide19.xml><?xml version="1.0" encoding="utf-8"?>
-<p:sld xmlns:a="http://schemas.openxmlformats.org/drawingml/2006/main" xmlns:r="http://schemas.openxmlformats.org/officeDocument/2006/relationships" xmlns:p="http://schemas.openxmlformats.org/presentationml/2006/main">
-  <p:cSld>
-    <p:bg>
-      <p:bgPr>
-        <a:solidFill>
-          <a:schemeClr val="bg1"/>
-        </a:solidFill>
-        <a:effectLst/>
-      </p:bgPr>
-    </p:bg>
-    <p:spTree>
-      <p:nvGrpSpPr>
-        <p:cNvPr id="1" name=""/>
-        <p:cNvGrpSpPr/>
-        <p:nvPr/>
-      </p:nvGrpSpPr>
-      <p:grpSpPr>
-        <a:xfrm>
-          <a:off x="0" y="0"/>
-          <a:ext cx="0" cy="0"/>
-          <a:chOff x="0" y="0"/>
-          <a:chExt cx="0" cy="0"/>
-        </a:xfrm>
-      </p:grpSpPr>
-      <p:sp>
-        <p:nvSpPr>
-          <p:cNvPr id="10" name="Rectangle 9">
-            <a:extLst>
-              <a:ext uri="{FF2B5EF4-FFF2-40B4-BE49-F238E27FC236}">
-                <a16:creationId xmlns:a16="http://schemas.microsoft.com/office/drawing/2014/main" id="{4E866FF9-A729-45F0-A163-10E89E871602}"/>
-              </a:ext>
-              <a:ext uri="{C183D7F6-B498-43B3-948B-1728B52AA6E4}">
-                <adec:decorative xmlns:adec="http://schemas.microsoft.com/office/drawing/2017/decorative" val="1"/>
-              </a:ext>
-            </a:extLst>
-          </p:cNvPr>
-          <p:cNvSpPr>
-            <a:spLocks noGrp="1" noRot="1" noChangeAspect="1" noMove="1" noResize="1" noEditPoints="1" noAdjustHandles="1" noChangeArrowheads="1" noChangeShapeType="1" noTextEdit="1"/>
-          </p:cNvSpPr>
-          <p:nvPr>
-            <p:extLst>
-              <p:ext uri="{386F3935-93C4-4BCD-93E2-E3B085C9AB24}">
-                <p16:designElem xmlns:p16="http://schemas.microsoft.com/office/powerpoint/2015/main" val="1"/>
-              </p:ext>
-            </p:extLst>
-          </p:nvPr>
-        </p:nvSpPr>
-        <p:spPr>
-          <a:xfrm>
-            <a:off x="0" y="0"/>
-            <a:ext cx="4738255" cy="6858000"/>
-          </a:xfrm>
-          <a:prstGeom prst="rect">
-            <a:avLst/>
-          </a:prstGeom>
-          <a:solidFill>
-            <a:schemeClr val="accent6">
-              <a:lumMod val="60000"/>
-              <a:lumOff val="40000"/>
-            </a:schemeClr>
-          </a:solidFill>
-          <a:ln>
-            <a:noFill/>
-          </a:ln>
-        </p:spPr>
-        <p:style>
-          <a:lnRef idx="2">
-            <a:schemeClr val="accent1">
-              <a:shade val="50000"/>
-            </a:schemeClr>
-          </a:lnRef>
-          <a:fillRef idx="1">
-            <a:schemeClr val="accent1"/>
-          </a:fillRef>
-          <a:effectRef idx="0">
-            <a:schemeClr val="accent1"/>
-          </a:effectRef>
-          <a:fontRef idx="minor">
-            <a:schemeClr val="lt1"/>
-          </a:fontRef>
-        </p:style>
-        <p:txBody>
-          <a:bodyPr rtlCol="0" anchor="ctr"/>
-          <a:lstStyle/>
-          <a:p>
-            <a:pPr algn="ctr"/>
-            <a:endParaRPr lang="en-US"/>
-          </a:p>
-        </p:txBody>
-      </p:sp>
-      <p:sp>
-        <p:nvSpPr>
-          <p:cNvPr id="2" name="Title 1">
-            <a:extLst>
-              <a:ext uri="{FF2B5EF4-FFF2-40B4-BE49-F238E27FC236}">
-                <a16:creationId xmlns:a16="http://schemas.microsoft.com/office/drawing/2014/main" id="{0628CD5D-6714-2B45-B1C0-B5F287B88E13}"/>
-              </a:ext>
-            </a:extLst>
-          </p:cNvPr>
-          <p:cNvSpPr>
-            <a:spLocks noGrp="1"/>
-          </p:cNvSpPr>
-          <p:nvPr>
-            <p:ph type="title"/>
-          </p:nvPr>
-        </p:nvSpPr>
-        <p:spPr>
-          <a:xfrm>
-            <a:off x="640080" y="2681105"/>
-            <a:ext cx="3401568" cy="1495794"/>
-          </a:xfrm>
-          <a:solidFill>
-            <a:srgbClr val="FFFFFF"/>
-          </a:solidFill>
-          <a:ln>
-            <a:solidFill>
-              <a:srgbClr val="262626"/>
-            </a:solidFill>
-          </a:ln>
-        </p:spPr>
-        <p:txBody>
-          <a:bodyPr>
-            <a:normAutofit/>
-          </a:bodyPr>
-          <a:lstStyle/>
-          <a:p>
-            <a:r>
-              <a:rPr lang="en-US" dirty="0"/>
-              <a:t>Presentation content</a:t>
-            </a:r>
-          </a:p>
-        </p:txBody>
-      </p:sp>
-      <p:sp useBgFill="1">
-        <p:nvSpPr>
-          <p:cNvPr id="12" name="Rectangle 11">
-            <a:extLst>
-              <a:ext uri="{FF2B5EF4-FFF2-40B4-BE49-F238E27FC236}">
-                <a16:creationId xmlns:a16="http://schemas.microsoft.com/office/drawing/2014/main" id="{A804366F-2366-4688-98E7-B101C7BC6146}"/>
-              </a:ext>
-              <a:ext uri="{C183D7F6-B498-43B3-948B-1728B52AA6E4}">
-                <adec:decorative xmlns:adec="http://schemas.microsoft.com/office/drawing/2017/decorative" val="1"/>
-              </a:ext>
-            </a:extLst>
-          </p:cNvPr>
-          <p:cNvSpPr>
-            <a:spLocks noGrp="1" noRot="1" noChangeAspect="1" noMove="1" noResize="1" noEditPoints="1" noAdjustHandles="1" noChangeArrowheads="1" noChangeShapeType="1" noTextEdit="1"/>
-          </p:cNvSpPr>
-          <p:nvPr>
-            <p:extLst>
-              <p:ext uri="{386F3935-93C4-4BCD-93E2-E3B085C9AB24}">
-                <p16:designElem xmlns:p16="http://schemas.microsoft.com/office/powerpoint/2015/main" val="1"/>
-              </p:ext>
-            </p:extLst>
-          </p:nvPr>
-        </p:nvSpPr>
-        <p:spPr>
-          <a:xfrm>
-            <a:off x="4753278" y="0"/>
-            <a:ext cx="7438722" cy="6857999"/>
-          </a:xfrm>
-          <a:prstGeom prst="rect">
-            <a:avLst/>
-          </a:prstGeom>
-          <a:ln>
-            <a:noFill/>
-          </a:ln>
-        </p:spPr>
-        <p:style>
-          <a:lnRef idx="2">
-            <a:schemeClr val="accent1">
-              <a:shade val="50000"/>
-            </a:schemeClr>
-          </a:lnRef>
-          <a:fillRef idx="1">
-            <a:schemeClr val="accent1"/>
-          </a:fillRef>
-          <a:effectRef idx="0">
-            <a:schemeClr val="accent1"/>
-          </a:effectRef>
-          <a:fontRef idx="minor">
-            <a:schemeClr val="lt1"/>
-          </a:fontRef>
-        </p:style>
-        <p:txBody>
-          <a:bodyPr rtlCol="0" anchor="ctr"/>
-          <a:lstStyle/>
-          <a:p>
-            <a:pPr algn="ctr"/>
-            <a:endParaRPr lang="en-US"/>
-          </a:p>
-        </p:txBody>
-      </p:sp>
-      <p:graphicFrame>
-        <p:nvGraphicFramePr>
-          <p:cNvPr id="5" name="Content Placeholder 2">
-            <a:extLst>
-              <a:ext uri="{FF2B5EF4-FFF2-40B4-BE49-F238E27FC236}">
-                <a16:creationId xmlns:a16="http://schemas.microsoft.com/office/drawing/2014/main" id="{68FB700B-8AF8-4B65-9AB5-351869B78492}"/>
-              </a:ext>
-            </a:extLst>
-          </p:cNvPr>
-          <p:cNvGraphicFramePr>
-            <a:graphicFrameLocks noGrp="1"/>
-          </p:cNvGraphicFramePr>
-          <p:nvPr>
-            <p:ph idx="1"/>
-            <p:extLst>
-              <p:ext uri="{D42A27DB-BD31-4B8C-83A1-F6EECF244321}">
-                <p14:modId xmlns:p14="http://schemas.microsoft.com/office/powerpoint/2010/main" val="1212325840"/>
-              </p:ext>
-            </p:extLst>
-          </p:nvPr>
-        </p:nvGraphicFramePr>
-        <p:xfrm>
-          <a:off x="5397500" y="639763"/>
-          <a:ext cx="6151563" cy="5276850"/>
-        </p:xfrm>
-        <a:graphic>
-          <a:graphicData uri="http://schemas.openxmlformats.org/drawingml/2006/diagram">
-            <dgm:relIds xmlns:dgm="http://schemas.openxmlformats.org/drawingml/2006/diagram" xmlns:r="http://schemas.openxmlformats.org/officeDocument/2006/relationships" r:dm="rId2" r:lo="rId3" r:qs="rId4" r:cs="rId5"/>
-          </a:graphicData>
-        </a:graphic>
-      </p:graphicFrame>
-      <p:sp>
-        <p:nvSpPr>
-          <p:cNvPr id="3" name="Slide Number Placeholder 2">
-            <a:extLst>
-              <a:ext uri="{FF2B5EF4-FFF2-40B4-BE49-F238E27FC236}">
-                <a16:creationId xmlns:a16="http://schemas.microsoft.com/office/drawing/2014/main" id="{5EA9211E-1939-2449-8144-39FE5DB70CDE}"/>
-              </a:ext>
-            </a:extLst>
-          </p:cNvPr>
-          <p:cNvSpPr>
-            <a:spLocks noGrp="1"/>
-          </p:cNvSpPr>
-          <p:nvPr>
-            <p:ph type="sldNum" sz="quarter" idx="12"/>
-          </p:nvPr>
-        </p:nvSpPr>
-        <p:spPr/>
-        <p:txBody>
-          <a:bodyPr/>
-          <a:lstStyle/>
-          <a:p>
-            <a:fld id="{64BDB321-83F7-894B-AB0C-3EBC94EBEAB1}" type="slidenum">
-              <a:rPr lang="en-US" smtClean="0"/>
-              <a:t>18</a:t>
-            </a:fld>
-            <a:endParaRPr lang="en-US"/>
-          </a:p>
-        </p:txBody>
-      </p:sp>
-    </p:spTree>
-    <p:extLst>
-      <p:ext uri="{BB962C8B-B14F-4D97-AF65-F5344CB8AC3E}">
-        <p14:creationId xmlns:p14="http://schemas.microsoft.com/office/powerpoint/2010/main" val="3768091560"/>
       </p:ext>
     </p:extLst>
   </p:cSld>
@@ -38646,6 +39303,497 @@
     <p:bg>
       <p:bgPr>
         <a:solidFill>
+          <a:schemeClr val="bg2"/>
+        </a:solidFill>
+        <a:effectLst/>
+      </p:bgPr>
+    </p:bg>
+    <p:spTree>
+      <p:nvGrpSpPr>
+        <p:cNvPr id="1" name=""/>
+        <p:cNvGrpSpPr/>
+        <p:nvPr/>
+      </p:nvGrpSpPr>
+      <p:grpSpPr>
+        <a:xfrm>
+          <a:off x="0" y="0"/>
+          <a:ext cx="0" cy="0"/>
+          <a:chOff x="0" y="0"/>
+          <a:chExt cx="0" cy="0"/>
+        </a:xfrm>
+      </p:grpSpPr>
+      <p:sp>
+        <p:nvSpPr>
+          <p:cNvPr id="2" name="Title 1">
+            <a:extLst>
+              <a:ext uri="{FF2B5EF4-FFF2-40B4-BE49-F238E27FC236}">
+                <a16:creationId xmlns:a16="http://schemas.microsoft.com/office/drawing/2014/main" id="{C38A71AE-036B-C34A-B6BA-09971615E4B9}"/>
+              </a:ext>
+            </a:extLst>
+          </p:cNvPr>
+          <p:cNvSpPr>
+            <a:spLocks noGrp="1"/>
+          </p:cNvSpPr>
+          <p:nvPr>
+            <p:ph type="title"/>
+          </p:nvPr>
+        </p:nvSpPr>
+        <p:spPr>
+          <a:xfrm>
+            <a:off x="965198" y="2474895"/>
+            <a:ext cx="6212764" cy="1908215"/>
+          </a:xfrm>
+          <a:noFill/>
+          <a:ln>
+            <a:solidFill>
+              <a:schemeClr val="tx1"/>
+            </a:solidFill>
+          </a:ln>
+        </p:spPr>
+        <p:txBody>
+          <a:bodyPr vert="horz" wrap="square" lIns="274320" tIns="182880" rIns="274320" bIns="182880" rtlCol="0" anchor="ctr" anchorCtr="1">
+            <a:normAutofit/>
+          </a:bodyPr>
+          <a:lstStyle/>
+          <a:p>
+            <a:r>
+              <a:rPr lang="en-US" sz="4000" kern="1200" cap="all" spc="200" baseline="0">
+                <a:solidFill>
+                  <a:schemeClr val="tx1"/>
+                </a:solidFill>
+                <a:latin typeface="+mj-lt"/>
+                <a:ea typeface="+mj-ea"/>
+                <a:cs typeface="+mj-cs"/>
+              </a:rPr>
+              <a:t>Demo</a:t>
+            </a:r>
+          </a:p>
+        </p:txBody>
+      </p:sp>
+      <p:sp>
+        <p:nvSpPr>
+          <p:cNvPr id="7" name="Rectangle 6">
+            <a:extLst>
+              <a:ext uri="{FF2B5EF4-FFF2-40B4-BE49-F238E27FC236}">
+                <a16:creationId xmlns:a16="http://schemas.microsoft.com/office/drawing/2014/main" id="{157A82F3-F6C4-4325-8C9C-7DF1AD06B2B5}"/>
+              </a:ext>
+              <a:ext uri="{C183D7F6-B498-43B3-948B-1728B52AA6E4}">
+                <adec:decorative xmlns:adec="http://schemas.microsoft.com/office/drawing/2017/decorative" val="1"/>
+              </a:ext>
+            </a:extLst>
+          </p:cNvPr>
+          <p:cNvSpPr>
+            <a:spLocks noGrp="1" noRot="1" noChangeAspect="1" noMove="1" noResize="1" noEditPoints="1" noAdjustHandles="1" noChangeArrowheads="1" noChangeShapeType="1" noTextEdit="1"/>
+          </p:cNvSpPr>
+          <p:nvPr>
+            <p:extLst>
+              <p:ext uri="{386F3935-93C4-4BCD-93E2-E3B085C9AB24}">
+                <p16:designElem xmlns:p16="http://schemas.microsoft.com/office/powerpoint/2015/main" val="1"/>
+              </p:ext>
+            </p:extLst>
+          </p:nvPr>
+        </p:nvSpPr>
+        <p:spPr>
+          <a:xfrm>
+            <a:off x="8129872" y="0"/>
+            <a:ext cx="4062128" cy="6858000"/>
+          </a:xfrm>
+          <a:prstGeom prst="rect">
+            <a:avLst/>
+          </a:prstGeom>
+          <a:solidFill>
+            <a:schemeClr val="bg2">
+              <a:lumMod val="75000"/>
+            </a:schemeClr>
+          </a:solidFill>
+          <a:ln>
+            <a:noFill/>
+          </a:ln>
+        </p:spPr>
+        <p:style>
+          <a:lnRef idx="2">
+            <a:schemeClr val="accent1">
+              <a:shade val="50000"/>
+            </a:schemeClr>
+          </a:lnRef>
+          <a:fillRef idx="1">
+            <a:schemeClr val="accent1"/>
+          </a:fillRef>
+          <a:effectRef idx="0">
+            <a:schemeClr val="accent1"/>
+          </a:effectRef>
+          <a:fontRef idx="minor">
+            <a:schemeClr val="lt1"/>
+          </a:fontRef>
+        </p:style>
+        <p:txBody>
+          <a:bodyPr rtlCol="0" anchor="ctr"/>
+          <a:lstStyle/>
+          <a:p>
+            <a:pPr algn="ctr"/>
+            <a:endParaRPr lang="en-US"/>
+          </a:p>
+        </p:txBody>
+      </p:sp>
+      <p:sp>
+        <p:nvSpPr>
+          <p:cNvPr id="4" name="Triangle 3">
+            <a:extLst>
+              <a:ext uri="{FF2B5EF4-FFF2-40B4-BE49-F238E27FC236}">
+                <a16:creationId xmlns:a16="http://schemas.microsoft.com/office/drawing/2014/main" id="{EED96F11-3BB3-EA46-BE25-86901E66AE43}"/>
+              </a:ext>
+            </a:extLst>
+          </p:cNvPr>
+          <p:cNvSpPr/>
+          <p:nvPr/>
+        </p:nvSpPr>
+        <p:spPr>
+          <a:xfrm rot="5400000">
+            <a:off x="9440936" y="2709000"/>
+            <a:ext cx="1440000" cy="1440000"/>
+          </a:xfrm>
+          <a:prstGeom prst="triangle">
+            <a:avLst/>
+          </a:prstGeom>
+        </p:spPr>
+        <p:style>
+          <a:lnRef idx="2">
+            <a:schemeClr val="accent6"/>
+          </a:lnRef>
+          <a:fillRef idx="1">
+            <a:schemeClr val="lt1"/>
+          </a:fillRef>
+          <a:effectRef idx="0">
+            <a:schemeClr val="accent6"/>
+          </a:effectRef>
+          <a:fontRef idx="minor">
+            <a:schemeClr val="dk1"/>
+          </a:fontRef>
+        </p:style>
+        <p:txBody>
+          <a:bodyPr rtlCol="0" anchor="ctr"/>
+          <a:lstStyle/>
+          <a:p>
+            <a:pPr algn="ctr"/>
+            <a:endParaRPr lang="en-US"/>
+          </a:p>
+        </p:txBody>
+      </p:sp>
+      <p:sp>
+        <p:nvSpPr>
+          <p:cNvPr id="3" name="Slide Number Placeholder 2">
+            <a:extLst>
+              <a:ext uri="{FF2B5EF4-FFF2-40B4-BE49-F238E27FC236}">
+                <a16:creationId xmlns:a16="http://schemas.microsoft.com/office/drawing/2014/main" id="{9E109A63-7CCE-6D49-85CB-BB5AD327FB8F}"/>
+              </a:ext>
+            </a:extLst>
+          </p:cNvPr>
+          <p:cNvSpPr>
+            <a:spLocks noGrp="1"/>
+          </p:cNvSpPr>
+          <p:nvPr>
+            <p:ph type="sldNum" sz="quarter" idx="12"/>
+          </p:nvPr>
+        </p:nvSpPr>
+        <p:spPr/>
+        <p:txBody>
+          <a:bodyPr/>
+          <a:lstStyle/>
+          <a:p>
+            <a:fld id="{64BDB321-83F7-894B-AB0C-3EBC94EBEAB1}" type="slidenum">
+              <a:rPr lang="en-US" smtClean="0"/>
+              <a:t>19</a:t>
+            </a:fld>
+            <a:endParaRPr lang="en-US"/>
+          </a:p>
+        </p:txBody>
+      </p:sp>
+    </p:spTree>
+    <p:extLst>
+      <p:ext uri="{BB962C8B-B14F-4D97-AF65-F5344CB8AC3E}">
+        <p14:creationId xmlns:p14="http://schemas.microsoft.com/office/powerpoint/2010/main" val="1609365230"/>
+      </p:ext>
+    </p:extLst>
+  </p:cSld>
+  <p:clrMapOvr>
+    <a:overrideClrMapping bg1="dk1" tx1="lt1" bg2="dk2" tx2="lt2" accent1="accent1" accent2="accent2" accent3="accent3" accent4="accent4" accent5="accent5" accent6="accent6" hlink="hlink" folHlink="folHlink"/>
+  </p:clrMapOvr>
+</p:sld>
+</file>
+
+<file path=ppt/slides/slide21.xml><?xml version="1.0" encoding="utf-8"?>
+<p:sld xmlns:a="http://schemas.openxmlformats.org/drawingml/2006/main" xmlns:r="http://schemas.openxmlformats.org/officeDocument/2006/relationships" xmlns:p="http://schemas.openxmlformats.org/presentationml/2006/main">
+  <p:cSld>
+    <p:bg>
+      <p:bgPr>
+        <a:solidFill>
+          <a:schemeClr val="bg1"/>
+        </a:solidFill>
+        <a:effectLst/>
+      </p:bgPr>
+    </p:bg>
+    <p:spTree>
+      <p:nvGrpSpPr>
+        <p:cNvPr id="1" name=""/>
+        <p:cNvGrpSpPr/>
+        <p:nvPr/>
+      </p:nvGrpSpPr>
+      <p:grpSpPr>
+        <a:xfrm>
+          <a:off x="0" y="0"/>
+          <a:ext cx="0" cy="0"/>
+          <a:chOff x="0" y="0"/>
+          <a:chExt cx="0" cy="0"/>
+        </a:xfrm>
+      </p:grpSpPr>
+      <p:sp>
+        <p:nvSpPr>
+          <p:cNvPr id="10" name="Rectangle 9">
+            <a:extLst>
+              <a:ext uri="{FF2B5EF4-FFF2-40B4-BE49-F238E27FC236}">
+                <a16:creationId xmlns:a16="http://schemas.microsoft.com/office/drawing/2014/main" id="{4E866FF9-A729-45F0-A163-10E89E871602}"/>
+              </a:ext>
+              <a:ext uri="{C183D7F6-B498-43B3-948B-1728B52AA6E4}">
+                <adec:decorative xmlns:adec="http://schemas.microsoft.com/office/drawing/2017/decorative" val="1"/>
+              </a:ext>
+            </a:extLst>
+          </p:cNvPr>
+          <p:cNvSpPr>
+            <a:spLocks noGrp="1" noRot="1" noChangeAspect="1" noMove="1" noResize="1" noEditPoints="1" noAdjustHandles="1" noChangeArrowheads="1" noChangeShapeType="1" noTextEdit="1"/>
+          </p:cNvSpPr>
+          <p:nvPr>
+            <p:extLst>
+              <p:ext uri="{386F3935-93C4-4BCD-93E2-E3B085C9AB24}">
+                <p16:designElem xmlns:p16="http://schemas.microsoft.com/office/powerpoint/2015/main" val="1"/>
+              </p:ext>
+            </p:extLst>
+          </p:nvPr>
+        </p:nvSpPr>
+        <p:spPr>
+          <a:xfrm>
+            <a:off x="0" y="0"/>
+            <a:ext cx="4738255" cy="6858000"/>
+          </a:xfrm>
+          <a:prstGeom prst="rect">
+            <a:avLst/>
+          </a:prstGeom>
+          <a:solidFill>
+            <a:schemeClr val="accent6">
+              <a:lumMod val="60000"/>
+              <a:lumOff val="40000"/>
+            </a:schemeClr>
+          </a:solidFill>
+          <a:ln>
+            <a:noFill/>
+          </a:ln>
+        </p:spPr>
+        <p:style>
+          <a:lnRef idx="2">
+            <a:schemeClr val="accent1">
+              <a:shade val="50000"/>
+            </a:schemeClr>
+          </a:lnRef>
+          <a:fillRef idx="1">
+            <a:schemeClr val="accent1"/>
+          </a:fillRef>
+          <a:effectRef idx="0">
+            <a:schemeClr val="accent1"/>
+          </a:effectRef>
+          <a:fontRef idx="minor">
+            <a:schemeClr val="lt1"/>
+          </a:fontRef>
+        </p:style>
+        <p:txBody>
+          <a:bodyPr rtlCol="0" anchor="ctr"/>
+          <a:lstStyle/>
+          <a:p>
+            <a:pPr algn="ctr"/>
+            <a:endParaRPr lang="en-US"/>
+          </a:p>
+        </p:txBody>
+      </p:sp>
+      <p:sp>
+        <p:nvSpPr>
+          <p:cNvPr id="2" name="Title 1">
+            <a:extLst>
+              <a:ext uri="{FF2B5EF4-FFF2-40B4-BE49-F238E27FC236}">
+                <a16:creationId xmlns:a16="http://schemas.microsoft.com/office/drawing/2014/main" id="{0628CD5D-6714-2B45-B1C0-B5F287B88E13}"/>
+              </a:ext>
+            </a:extLst>
+          </p:cNvPr>
+          <p:cNvSpPr>
+            <a:spLocks noGrp="1"/>
+          </p:cNvSpPr>
+          <p:nvPr>
+            <p:ph type="title"/>
+          </p:nvPr>
+        </p:nvSpPr>
+        <p:spPr>
+          <a:xfrm>
+            <a:off x="640080" y="2681105"/>
+            <a:ext cx="3401568" cy="1495794"/>
+          </a:xfrm>
+          <a:solidFill>
+            <a:srgbClr val="FFFFFF"/>
+          </a:solidFill>
+          <a:ln>
+            <a:solidFill>
+              <a:srgbClr val="262626"/>
+            </a:solidFill>
+          </a:ln>
+        </p:spPr>
+        <p:txBody>
+          <a:bodyPr>
+            <a:normAutofit/>
+          </a:bodyPr>
+          <a:lstStyle/>
+          <a:p>
+            <a:r>
+              <a:rPr lang="en-US" dirty="0"/>
+              <a:t>Presentation content</a:t>
+            </a:r>
+          </a:p>
+        </p:txBody>
+      </p:sp>
+      <p:sp useBgFill="1">
+        <p:nvSpPr>
+          <p:cNvPr id="12" name="Rectangle 11">
+            <a:extLst>
+              <a:ext uri="{FF2B5EF4-FFF2-40B4-BE49-F238E27FC236}">
+                <a16:creationId xmlns:a16="http://schemas.microsoft.com/office/drawing/2014/main" id="{A804366F-2366-4688-98E7-B101C7BC6146}"/>
+              </a:ext>
+              <a:ext uri="{C183D7F6-B498-43B3-948B-1728B52AA6E4}">
+                <adec:decorative xmlns:adec="http://schemas.microsoft.com/office/drawing/2017/decorative" val="1"/>
+              </a:ext>
+            </a:extLst>
+          </p:cNvPr>
+          <p:cNvSpPr>
+            <a:spLocks noGrp="1" noRot="1" noChangeAspect="1" noMove="1" noResize="1" noEditPoints="1" noAdjustHandles="1" noChangeArrowheads="1" noChangeShapeType="1" noTextEdit="1"/>
+          </p:cNvSpPr>
+          <p:nvPr>
+            <p:extLst>
+              <p:ext uri="{386F3935-93C4-4BCD-93E2-E3B085C9AB24}">
+                <p16:designElem xmlns:p16="http://schemas.microsoft.com/office/powerpoint/2015/main" val="1"/>
+              </p:ext>
+            </p:extLst>
+          </p:nvPr>
+        </p:nvSpPr>
+        <p:spPr>
+          <a:xfrm>
+            <a:off x="4753278" y="0"/>
+            <a:ext cx="7438722" cy="6857999"/>
+          </a:xfrm>
+          <a:prstGeom prst="rect">
+            <a:avLst/>
+          </a:prstGeom>
+          <a:ln>
+            <a:noFill/>
+          </a:ln>
+        </p:spPr>
+        <p:style>
+          <a:lnRef idx="2">
+            <a:schemeClr val="accent1">
+              <a:shade val="50000"/>
+            </a:schemeClr>
+          </a:lnRef>
+          <a:fillRef idx="1">
+            <a:schemeClr val="accent1"/>
+          </a:fillRef>
+          <a:effectRef idx="0">
+            <a:schemeClr val="accent1"/>
+          </a:effectRef>
+          <a:fontRef idx="minor">
+            <a:schemeClr val="lt1"/>
+          </a:fontRef>
+        </p:style>
+        <p:txBody>
+          <a:bodyPr rtlCol="0" anchor="ctr"/>
+          <a:lstStyle/>
+          <a:p>
+            <a:pPr algn="ctr"/>
+            <a:endParaRPr lang="en-US"/>
+          </a:p>
+        </p:txBody>
+      </p:sp>
+      <p:graphicFrame>
+        <p:nvGraphicFramePr>
+          <p:cNvPr id="5" name="Content Placeholder 2">
+            <a:extLst>
+              <a:ext uri="{FF2B5EF4-FFF2-40B4-BE49-F238E27FC236}">
+                <a16:creationId xmlns:a16="http://schemas.microsoft.com/office/drawing/2014/main" id="{68FB700B-8AF8-4B65-9AB5-351869B78492}"/>
+              </a:ext>
+            </a:extLst>
+          </p:cNvPr>
+          <p:cNvGraphicFramePr>
+            <a:graphicFrameLocks noGrp="1"/>
+          </p:cNvGraphicFramePr>
+          <p:nvPr>
+            <p:ph idx="1"/>
+            <p:extLst>
+              <p:ext uri="{D42A27DB-BD31-4B8C-83A1-F6EECF244321}">
+                <p14:modId xmlns:p14="http://schemas.microsoft.com/office/powerpoint/2010/main" val="1212325840"/>
+              </p:ext>
+            </p:extLst>
+          </p:nvPr>
+        </p:nvGraphicFramePr>
+        <p:xfrm>
+          <a:off x="5397500" y="639763"/>
+          <a:ext cx="6151563" cy="5276850"/>
+        </p:xfrm>
+        <a:graphic>
+          <a:graphicData uri="http://schemas.openxmlformats.org/drawingml/2006/diagram">
+            <dgm:relIds xmlns:dgm="http://schemas.openxmlformats.org/drawingml/2006/diagram" xmlns:r="http://schemas.openxmlformats.org/officeDocument/2006/relationships" r:dm="rId2" r:lo="rId3" r:qs="rId4" r:cs="rId5"/>
+          </a:graphicData>
+        </a:graphic>
+      </p:graphicFrame>
+      <p:sp>
+        <p:nvSpPr>
+          <p:cNvPr id="3" name="Slide Number Placeholder 2">
+            <a:extLst>
+              <a:ext uri="{FF2B5EF4-FFF2-40B4-BE49-F238E27FC236}">
+                <a16:creationId xmlns:a16="http://schemas.microsoft.com/office/drawing/2014/main" id="{5EA9211E-1939-2449-8144-39FE5DB70CDE}"/>
+              </a:ext>
+            </a:extLst>
+          </p:cNvPr>
+          <p:cNvSpPr>
+            <a:spLocks noGrp="1"/>
+          </p:cNvSpPr>
+          <p:nvPr>
+            <p:ph type="sldNum" sz="quarter" idx="12"/>
+          </p:nvPr>
+        </p:nvSpPr>
+        <p:spPr/>
+        <p:txBody>
+          <a:bodyPr/>
+          <a:lstStyle/>
+          <a:p>
+            <a:fld id="{64BDB321-83F7-894B-AB0C-3EBC94EBEAB1}" type="slidenum">
+              <a:rPr lang="en-US" smtClean="0"/>
+              <a:t>20</a:t>
+            </a:fld>
+            <a:endParaRPr lang="en-US"/>
+          </a:p>
+        </p:txBody>
+      </p:sp>
+    </p:spTree>
+    <p:extLst>
+      <p:ext uri="{BB962C8B-B14F-4D97-AF65-F5344CB8AC3E}">
+        <p14:creationId xmlns:p14="http://schemas.microsoft.com/office/powerpoint/2010/main" val="3768091560"/>
+      </p:ext>
+    </p:extLst>
+  </p:cSld>
+  <p:clrMapOvr>
+    <a:masterClrMapping/>
+  </p:clrMapOvr>
+</p:sld>
+</file>
+
+<file path=ppt/slides/slide22.xml><?xml version="1.0" encoding="utf-8"?>
+<p:sld xmlns:a="http://schemas.openxmlformats.org/drawingml/2006/main" xmlns:r="http://schemas.openxmlformats.org/officeDocument/2006/relationships" xmlns:p="http://schemas.openxmlformats.org/presentationml/2006/main">
+  <p:cSld>
+    <p:bg>
+      <p:bgPr>
+        <a:solidFill>
           <a:schemeClr val="bg1">
             <a:lumMod val="95000"/>
           </a:schemeClr>
@@ -38722,7 +39870,7 @@
           <a:p>
             <a:fld id="{64BDB321-83F7-894B-AB0C-3EBC94EBEAB1}" type="slidenum">
               <a:rPr lang="en-US" smtClean="0"/>
-              <a:t>19</a:t>
+              <a:t>21</a:t>
             </a:fld>
             <a:endParaRPr lang="en-US"/>
           </a:p>
